--- a/other/Perks.pptx
+++ b/other/Perks.pptx
@@ -7,6 +7,7 @@
   <p:sldIdLst>
     <p:sldId id="256" r:id="rId2"/>
     <p:sldId id="257" r:id="rId3"/>
+    <p:sldId id="258" r:id="rId4"/>
   </p:sldIdLst>
   <p:sldSz cx="12192000" cy="6858000"/>
   <p:notesSz cx="6858000" cy="9144000"/>
@@ -105,6 +106,11 @@
       </a:defRPr>
     </a:lvl9pPr>
   </p:defaultTextStyle>
+  <p:extLst>
+    <p:ext uri="{EFAFB233-063F-42B5-8137-9DF3F51BA10A}">
+      <p15:sldGuideLst xmlns:p15="http://schemas.microsoft.com/office/powerpoint/2012/main"/>
+    </p:ext>
+  </p:extLst>
 </p:presentation>
 </file>
 
@@ -239,7 +245,7 @@
           <a:p>
             <a:fld id="{E6EC37F5-FC61-409D-9B50-27E341CA9FD3}" type="datetimeFigureOut">
               <a:rPr lang="en-US" smtClean="0"/>
-              <a:t>7/6/2016</a:t>
+              <a:t>7/7/2016</a:t>
             </a:fld>
             <a:endParaRPr lang="en-US"/>
           </a:p>
@@ -409,7 +415,7 @@
           <a:p>
             <a:fld id="{E6EC37F5-FC61-409D-9B50-27E341CA9FD3}" type="datetimeFigureOut">
               <a:rPr lang="en-US" smtClean="0"/>
-              <a:t>7/6/2016</a:t>
+              <a:t>7/7/2016</a:t>
             </a:fld>
             <a:endParaRPr lang="en-US"/>
           </a:p>
@@ -589,7 +595,7 @@
           <a:p>
             <a:fld id="{E6EC37F5-FC61-409D-9B50-27E341CA9FD3}" type="datetimeFigureOut">
               <a:rPr lang="en-US" smtClean="0"/>
-              <a:t>7/6/2016</a:t>
+              <a:t>7/7/2016</a:t>
             </a:fld>
             <a:endParaRPr lang="en-US"/>
           </a:p>
@@ -759,7 +765,7 @@
           <a:p>
             <a:fld id="{E6EC37F5-FC61-409D-9B50-27E341CA9FD3}" type="datetimeFigureOut">
               <a:rPr lang="en-US" smtClean="0"/>
-              <a:t>7/6/2016</a:t>
+              <a:t>7/7/2016</a:t>
             </a:fld>
             <a:endParaRPr lang="en-US"/>
           </a:p>
@@ -1005,7 +1011,7 @@
           <a:p>
             <a:fld id="{E6EC37F5-FC61-409D-9B50-27E341CA9FD3}" type="datetimeFigureOut">
               <a:rPr lang="en-US" smtClean="0"/>
-              <a:t>7/6/2016</a:t>
+              <a:t>7/7/2016</a:t>
             </a:fld>
             <a:endParaRPr lang="en-US"/>
           </a:p>
@@ -1237,7 +1243,7 @@
           <a:p>
             <a:fld id="{E6EC37F5-FC61-409D-9B50-27E341CA9FD3}" type="datetimeFigureOut">
               <a:rPr lang="en-US" smtClean="0"/>
-              <a:t>7/6/2016</a:t>
+              <a:t>7/7/2016</a:t>
             </a:fld>
             <a:endParaRPr lang="en-US"/>
           </a:p>
@@ -1604,7 +1610,7 @@
           <a:p>
             <a:fld id="{E6EC37F5-FC61-409D-9B50-27E341CA9FD3}" type="datetimeFigureOut">
               <a:rPr lang="en-US" smtClean="0"/>
-              <a:t>7/6/2016</a:t>
+              <a:t>7/7/2016</a:t>
             </a:fld>
             <a:endParaRPr lang="en-US"/>
           </a:p>
@@ -1722,7 +1728,7 @@
           <a:p>
             <a:fld id="{E6EC37F5-FC61-409D-9B50-27E341CA9FD3}" type="datetimeFigureOut">
               <a:rPr lang="en-US" smtClean="0"/>
-              <a:t>7/6/2016</a:t>
+              <a:t>7/7/2016</a:t>
             </a:fld>
             <a:endParaRPr lang="en-US"/>
           </a:p>
@@ -1817,7 +1823,7 @@
           <a:p>
             <a:fld id="{E6EC37F5-FC61-409D-9B50-27E341CA9FD3}" type="datetimeFigureOut">
               <a:rPr lang="en-US" smtClean="0"/>
-              <a:t>7/6/2016</a:t>
+              <a:t>7/7/2016</a:t>
             </a:fld>
             <a:endParaRPr lang="en-US"/>
           </a:p>
@@ -2094,7 +2100,7 @@
           <a:p>
             <a:fld id="{E6EC37F5-FC61-409D-9B50-27E341CA9FD3}" type="datetimeFigureOut">
               <a:rPr lang="en-US" smtClean="0"/>
-              <a:t>7/6/2016</a:t>
+              <a:t>7/7/2016</a:t>
             </a:fld>
             <a:endParaRPr lang="en-US"/>
           </a:p>
@@ -2347,7 +2353,7 @@
           <a:p>
             <a:fld id="{E6EC37F5-FC61-409D-9B50-27E341CA9FD3}" type="datetimeFigureOut">
               <a:rPr lang="en-US" smtClean="0"/>
-              <a:t>7/6/2016</a:t>
+              <a:t>7/7/2016</a:t>
             </a:fld>
             <a:endParaRPr lang="en-US"/>
           </a:p>
@@ -2560,7 +2566,7 @@
           <a:p>
             <a:fld id="{E6EC37F5-FC61-409D-9B50-27E341CA9FD3}" type="datetimeFigureOut">
               <a:rPr lang="en-US" smtClean="0"/>
-              <a:t>7/6/2016</a:t>
+              <a:t>7/7/2016</a:t>
             </a:fld>
             <a:endParaRPr lang="en-US"/>
           </a:p>
@@ -6115,76 +6121,6 @@
       </p:grpSpPr>
       <p:sp>
         <p:nvSpPr>
-          <p:cNvPr id="5" name="Oval 4"/>
-          <p:cNvSpPr/>
-          <p:nvPr/>
-        </p:nvSpPr>
-        <p:spPr>
-          <a:xfrm>
-            <a:off x="1676400" y="412955"/>
-            <a:ext cx="1376516" cy="993058"/>
-          </a:xfrm>
-          <a:prstGeom prst="ellipse">
-            <a:avLst/>
-          </a:prstGeom>
-          <a:noFill/>
-          <a:ln w="38100">
-            <a:solidFill>
-              <a:srgbClr val="FFFF00"/>
-            </a:solidFill>
-          </a:ln>
-          <a:effectLst>
-            <a:outerShdw blurRad="50800" dist="38100" dir="2700000" algn="tl" rotWithShape="0">
-              <a:prstClr val="black">
-                <a:alpha val="40000"/>
-              </a:prstClr>
-            </a:outerShdw>
-          </a:effectLst>
-        </p:spPr>
-        <p:style>
-          <a:lnRef idx="2">
-            <a:schemeClr val="accent1">
-              <a:shade val="50000"/>
-            </a:schemeClr>
-          </a:lnRef>
-          <a:fillRef idx="1">
-            <a:schemeClr val="accent1"/>
-          </a:fillRef>
-          <a:effectRef idx="0">
-            <a:schemeClr val="accent1"/>
-          </a:effectRef>
-          <a:fontRef idx="minor">
-            <a:schemeClr val="lt1"/>
-          </a:fontRef>
-        </p:style>
-        <p:txBody>
-          <a:bodyPr rtlCol="0" anchor="ctr"/>
-          <a:lstStyle/>
-          <a:p>
-            <a:pPr algn="ctr"/>
-            <a:r>
-              <a:rPr lang="en-US" sz="2000" b="1" dirty="0" smtClean="0">
-                <a:solidFill>
-                  <a:schemeClr val="accent1">
-                    <a:lumMod val="75000"/>
-                  </a:schemeClr>
-                </a:solidFill>
-                <a:effectLst>
-                  <a:glow rad="228600">
-                    <a:schemeClr val="accent4">
-                      <a:satMod val="175000"/>
-                      <a:alpha val="40000"/>
-                    </a:schemeClr>
-                  </a:glow>
-                </a:effectLst>
-              </a:rPr>
-              <a:t>Light Sensor</a:t>
-            </a:r>
-          </a:p>
-        </p:txBody>
-      </p:sp>
-      <p:sp>
-        <p:nvSpPr>
           <p:cNvPr id="6" name="Rectangle 5"/>
           <p:cNvSpPr/>
           <p:nvPr/>
@@ -6231,53 +6167,109 @@
           </a:p>
         </p:txBody>
       </p:sp>
-      <p:sp>
-        <p:nvSpPr>
-          <p:cNvPr id="7" name="Rounded Rectangle 6"/>
-          <p:cNvSpPr/>
+      <p:grpSp>
+        <p:nvGrpSpPr>
+          <p:cNvPr id="4" name="Group 3"/>
+          <p:cNvGrpSpPr/>
           <p:nvPr/>
-        </p:nvSpPr>
-        <p:spPr>
+        </p:nvGrpSpPr>
+        <p:grpSpPr>
           <a:xfrm>
-            <a:off x="3418763" y="462705"/>
-            <a:ext cx="2545971" cy="934064"/>
+            <a:off x="4665935" y="2533969"/>
+            <a:ext cx="3098075" cy="2069409"/>
+            <a:chOff x="5664611" y="2877495"/>
+            <a:chExt cx="3098075" cy="2069409"/>
           </a:xfrm>
-          <a:prstGeom prst="roundRect">
-            <a:avLst/>
-          </a:prstGeom>
-          <a:noFill/>
-          <a:ln w="57150">
-            <a:solidFill>
-              <a:srgbClr val="92D050"/>
-            </a:solidFill>
-          </a:ln>
-        </p:spPr>
-        <p:style>
-          <a:lnRef idx="2">
-            <a:schemeClr val="accent1">
-              <a:shade val="50000"/>
-            </a:schemeClr>
-          </a:lnRef>
-          <a:fillRef idx="1">
-            <a:schemeClr val="accent1"/>
-          </a:fillRef>
-          <a:effectRef idx="0">
-            <a:schemeClr val="accent1"/>
-          </a:effectRef>
-          <a:fontRef idx="minor">
-            <a:schemeClr val="lt1"/>
-          </a:fontRef>
-        </p:style>
-        <p:txBody>
-          <a:bodyPr rtlCol="0" anchor="t"/>
-          <a:lstStyle/>
-          <a:p>
-            <a:pPr algn="ctr"/>
-            <a:r>
-              <a:rPr lang="en-US" sz="2000" b="1" dirty="0" smtClean="0">
+        </p:grpSpPr>
+        <p:sp>
+          <p:nvSpPr>
+            <p:cNvPr id="7" name="Rounded Rectangle 6"/>
+            <p:cNvSpPr/>
+            <p:nvPr/>
+          </p:nvSpPr>
+          <p:spPr>
+            <a:xfrm>
+              <a:off x="5664611" y="2877495"/>
+              <a:ext cx="3098075" cy="2069409"/>
+            </a:xfrm>
+            <a:prstGeom prst="roundRect">
+              <a:avLst/>
+            </a:prstGeom>
+            <a:noFill/>
+            <a:ln w="57150">
+              <a:solidFill>
+                <a:srgbClr val="92D050"/>
+              </a:solidFill>
+            </a:ln>
+            <a:effectLst>
+              <a:outerShdw blurRad="50800" dist="38100" dir="2700000" algn="tl" rotWithShape="0">
+                <a:prstClr val="black">
+                  <a:alpha val="40000"/>
+                </a:prstClr>
+              </a:outerShdw>
+            </a:effectLst>
+          </p:spPr>
+          <p:style>
+            <a:lnRef idx="2">
+              <a:schemeClr val="accent1">
+                <a:shade val="50000"/>
+              </a:schemeClr>
+            </a:lnRef>
+            <a:fillRef idx="1">
+              <a:schemeClr val="accent1"/>
+            </a:fillRef>
+            <a:effectRef idx="0">
+              <a:schemeClr val="accent1"/>
+            </a:effectRef>
+            <a:fontRef idx="minor">
+              <a:schemeClr val="lt1"/>
+            </a:fontRef>
+          </p:style>
+          <p:txBody>
+            <a:bodyPr rtlCol="0" anchor="t"/>
+            <a:lstStyle/>
+            <a:p>
+              <a:pPr algn="ctr"/>
+              <a:r>
+                <a:rPr lang="en-US" sz="2000" b="1" dirty="0" smtClean="0">
+                  <a:solidFill>
+                    <a:schemeClr val="accent6">
+                      <a:lumMod val="50000"/>
+                    </a:schemeClr>
+                  </a:solidFill>
+                  <a:effectLst>
+                    <a:glow rad="139700">
+                      <a:schemeClr val="accent6">
+                        <a:satMod val="175000"/>
+                        <a:alpha val="40000"/>
+                      </a:schemeClr>
+                    </a:glow>
+                  </a:effectLst>
+                </a:rPr>
+                <a:t>Environment </a:t>
+              </a:r>
+              <a:r>
+                <a:rPr lang="en-US" sz="2000" b="1" dirty="0" smtClean="0">
+                  <a:solidFill>
+                    <a:schemeClr val="accent6">
+                      <a:lumMod val="50000"/>
+                    </a:schemeClr>
+                  </a:solidFill>
+                  <a:effectLst>
+                    <a:glow rad="139700">
+                      <a:schemeClr val="accent6">
+                        <a:satMod val="175000"/>
+                        <a:alpha val="40000"/>
+                      </a:schemeClr>
+                    </a:glow>
+                  </a:effectLst>
+                </a:rPr>
+                <a:t>Sensors</a:t>
+              </a:r>
+              <a:endParaRPr lang="en-US" sz="2000" b="1" dirty="0">
                 <a:solidFill>
                   <a:schemeClr val="accent6">
-                    <a:lumMod val="75000"/>
+                    <a:lumMod val="50000"/>
                   </a:schemeClr>
                 </a:solidFill>
                 <a:effectLst>
@@ -6288,586 +6280,1998 @@
                     </a:schemeClr>
                   </a:glow>
                 </a:effectLst>
-              </a:rPr>
-              <a:t>Environment Sensor</a:t>
-            </a:r>
-            <a:endParaRPr lang="en-US" sz="2000" b="1" dirty="0">
+              </a:endParaRPr>
+            </a:p>
+          </p:txBody>
+        </p:sp>
+        <p:sp>
+          <p:nvSpPr>
+            <p:cNvPr id="9" name="Rounded Rectangle 8"/>
+            <p:cNvSpPr/>
+            <p:nvPr/>
+          </p:nvSpPr>
+          <p:spPr>
+            <a:xfrm>
+              <a:off x="5852160" y="3466217"/>
+              <a:ext cx="2737952" cy="363794"/>
+            </a:xfrm>
+            <a:prstGeom prst="roundRect">
+              <a:avLst/>
+            </a:prstGeom>
+            <a:noFill/>
+            <a:ln w="19050">
               <a:solidFill>
-                <a:schemeClr val="accent6">
-                  <a:lumMod val="75000"/>
-                </a:schemeClr>
+                <a:srgbClr val="92D050"/>
               </a:solidFill>
-              <a:effectLst>
-                <a:glow rad="139700">
-                  <a:schemeClr val="accent6">
-                    <a:satMod val="175000"/>
-                    <a:alpha val="40000"/>
-                  </a:schemeClr>
-                </a:glow>
-              </a:effectLst>
-            </a:endParaRPr>
-          </a:p>
-        </p:txBody>
-      </p:sp>
-      <p:sp>
-        <p:nvSpPr>
-          <p:cNvPr id="9" name="Rounded Rectangle 8"/>
-          <p:cNvSpPr/>
-          <p:nvPr/>
-        </p:nvSpPr>
-        <p:spPr>
-          <a:xfrm>
-            <a:off x="3512169" y="929737"/>
-            <a:ext cx="572377" cy="363794"/>
-          </a:xfrm>
-          <a:prstGeom prst="roundRect">
-            <a:avLst/>
-          </a:prstGeom>
-          <a:noFill/>
-          <a:ln w="19050">
-            <a:solidFill>
-              <a:srgbClr val="92D050"/>
-            </a:solidFill>
-          </a:ln>
-        </p:spPr>
-        <p:style>
-          <a:lnRef idx="2">
-            <a:schemeClr val="accent1">
-              <a:shade val="50000"/>
-            </a:schemeClr>
-          </a:lnRef>
-          <a:fillRef idx="1">
-            <a:schemeClr val="accent1"/>
-          </a:fillRef>
-          <a:effectRef idx="0">
-            <a:schemeClr val="accent1"/>
-          </a:effectRef>
-          <a:fontRef idx="minor">
-            <a:schemeClr val="lt1"/>
-          </a:fontRef>
-        </p:style>
-        <p:txBody>
-          <a:bodyPr lIns="0" rIns="0" rtlCol="0" anchor="ctr"/>
-          <a:lstStyle/>
-          <a:p>
-            <a:pPr algn="ctr"/>
-            <a:r>
-              <a:rPr lang="en-US" sz="1400" b="1" dirty="0" smtClean="0">
+            </a:ln>
+            <a:effectLst>
+              <a:outerShdw blurRad="50800" dist="38100" dir="2700000" algn="tl" rotWithShape="0">
+                <a:prstClr val="black">
+                  <a:alpha val="40000"/>
+                </a:prstClr>
+              </a:outerShdw>
+            </a:effectLst>
+          </p:spPr>
+          <p:style>
+            <a:lnRef idx="2">
+              <a:schemeClr val="accent1">
+                <a:shade val="50000"/>
+              </a:schemeClr>
+            </a:lnRef>
+            <a:fillRef idx="1">
+              <a:schemeClr val="accent1"/>
+            </a:fillRef>
+            <a:effectRef idx="0">
+              <a:schemeClr val="accent1"/>
+            </a:effectRef>
+            <a:fontRef idx="minor">
+              <a:schemeClr val="lt1"/>
+            </a:fontRef>
+          </p:style>
+          <p:txBody>
+            <a:bodyPr lIns="0" rIns="0" rtlCol="0" anchor="ctr"/>
+            <a:lstStyle/>
+            <a:p>
+              <a:pPr algn="ctr"/>
+              <a:r>
+                <a:rPr lang="en-US" sz="1400" b="1" dirty="0" smtClean="0">
+                  <a:solidFill>
+                    <a:schemeClr val="accent6">
+                      <a:lumMod val="75000"/>
+                    </a:schemeClr>
+                  </a:solidFill>
+                </a:rPr>
+                <a:t>Temp + Pressure – L1 </a:t>
+              </a:r>
+              <a:r>
+                <a:rPr lang="en-US" sz="1050" dirty="0" smtClean="0">
+                  <a:solidFill>
+                    <a:schemeClr val="accent6">
+                      <a:lumMod val="75000"/>
+                    </a:schemeClr>
+                  </a:solidFill>
+                </a:rPr>
+                <a:t>(BMP180)</a:t>
+              </a:r>
+              <a:endParaRPr lang="en-US" sz="1200" dirty="0">
                 <a:solidFill>
                   <a:schemeClr val="accent6">
                     <a:lumMod val="75000"/>
                   </a:schemeClr>
                 </a:solidFill>
-              </a:rPr>
-              <a:t>Temp</a:t>
-            </a:r>
-            <a:endParaRPr lang="en-US" sz="1200" b="1" dirty="0">
+              </a:endParaRPr>
+            </a:p>
+          </p:txBody>
+        </p:sp>
+        <p:sp>
+          <p:nvSpPr>
+            <p:cNvPr id="10" name="Rounded Rectangle 9"/>
+            <p:cNvSpPr/>
+            <p:nvPr/>
+          </p:nvSpPr>
+          <p:spPr>
+            <a:xfrm>
+              <a:off x="5852159" y="4372835"/>
+              <a:ext cx="2737953" cy="363794"/>
+            </a:xfrm>
+            <a:prstGeom prst="roundRect">
+              <a:avLst/>
+            </a:prstGeom>
+            <a:noFill/>
+            <a:ln w="19050">
               <a:solidFill>
-                <a:schemeClr val="accent6">
-                  <a:lumMod val="75000"/>
-                </a:schemeClr>
+                <a:srgbClr val="92D050"/>
               </a:solidFill>
-            </a:endParaRPr>
-          </a:p>
-        </p:txBody>
-      </p:sp>
-      <p:sp>
-        <p:nvSpPr>
-          <p:cNvPr id="10" name="Rounded Rectangle 9"/>
-          <p:cNvSpPr/>
-          <p:nvPr/>
-        </p:nvSpPr>
-        <p:spPr>
-          <a:xfrm>
-            <a:off x="4148765" y="929737"/>
-            <a:ext cx="826238" cy="363794"/>
-          </a:xfrm>
-          <a:prstGeom prst="roundRect">
-            <a:avLst/>
-          </a:prstGeom>
-          <a:noFill/>
-          <a:ln w="19050">
-            <a:solidFill>
-              <a:srgbClr val="92D050"/>
-            </a:solidFill>
-          </a:ln>
-        </p:spPr>
-        <p:style>
-          <a:lnRef idx="2">
-            <a:schemeClr val="accent1">
-              <a:shade val="50000"/>
-            </a:schemeClr>
-          </a:lnRef>
-          <a:fillRef idx="1">
-            <a:schemeClr val="accent1"/>
-          </a:fillRef>
-          <a:effectRef idx="0">
-            <a:schemeClr val="accent1"/>
-          </a:effectRef>
-          <a:fontRef idx="minor">
-            <a:schemeClr val="lt1"/>
-          </a:fontRef>
-        </p:style>
-        <p:txBody>
-          <a:bodyPr lIns="0" rIns="0" rtlCol="0" anchor="ctr"/>
-          <a:lstStyle/>
-          <a:p>
-            <a:pPr algn="ctr"/>
-            <a:r>
-              <a:rPr lang="en-US" sz="1400" b="1" dirty="0" smtClean="0">
+            </a:ln>
+            <a:effectLst>
+              <a:outerShdw blurRad="50800" dist="38100" dir="2700000" algn="tl" rotWithShape="0">
+                <a:prstClr val="black">
+                  <a:alpha val="40000"/>
+                </a:prstClr>
+              </a:outerShdw>
+            </a:effectLst>
+          </p:spPr>
+          <p:style>
+            <a:lnRef idx="2">
+              <a:schemeClr val="accent1">
+                <a:shade val="50000"/>
+              </a:schemeClr>
+            </a:lnRef>
+            <a:fillRef idx="1">
+              <a:schemeClr val="accent1"/>
+            </a:fillRef>
+            <a:effectRef idx="0">
+              <a:schemeClr val="accent1"/>
+            </a:effectRef>
+            <a:fontRef idx="minor">
+              <a:schemeClr val="lt1"/>
+            </a:fontRef>
+          </p:style>
+          <p:txBody>
+            <a:bodyPr lIns="0" rIns="0" rtlCol="0" anchor="ctr"/>
+            <a:lstStyle/>
+            <a:p>
+              <a:pPr algn="ctr"/>
+              <a:r>
+                <a:rPr lang="en-US" sz="1400" b="1" dirty="0" smtClean="0">
+                  <a:solidFill>
+                    <a:schemeClr val="accent6">
+                      <a:lumMod val="75000"/>
+                    </a:schemeClr>
+                  </a:solidFill>
+                </a:rPr>
+                <a:t>Temp/</a:t>
+              </a:r>
+              <a:r>
+                <a:rPr lang="en-US" sz="1400" b="1" dirty="0" err="1" smtClean="0">
+                  <a:solidFill>
+                    <a:schemeClr val="accent6">
+                      <a:lumMod val="75000"/>
+                    </a:schemeClr>
+                  </a:solidFill>
+                </a:rPr>
+                <a:t>Humd</a:t>
+              </a:r>
+              <a:r>
+                <a:rPr lang="en-US" sz="1400" b="1" dirty="0" smtClean="0">
+                  <a:solidFill>
+                    <a:schemeClr val="accent6">
+                      <a:lumMod val="75000"/>
+                    </a:schemeClr>
+                  </a:solidFill>
+                </a:rPr>
+                <a:t>/Pressure – L3 </a:t>
+              </a:r>
+              <a:r>
+                <a:rPr lang="en-US" sz="1050" dirty="0" smtClean="0">
+                  <a:solidFill>
+                    <a:schemeClr val="accent6">
+                      <a:lumMod val="75000"/>
+                    </a:schemeClr>
+                  </a:solidFill>
+                </a:rPr>
+                <a:t>(BME280)</a:t>
+              </a:r>
+              <a:endParaRPr lang="en-US" sz="1400" dirty="0">
                 <a:solidFill>
                   <a:schemeClr val="accent6">
                     <a:lumMod val="75000"/>
                   </a:schemeClr>
                 </a:solidFill>
-              </a:rPr>
-              <a:t>Humidity</a:t>
-            </a:r>
-            <a:endParaRPr lang="en-US" sz="1400" b="1" dirty="0">
+              </a:endParaRPr>
+            </a:p>
+          </p:txBody>
+        </p:sp>
+        <p:sp>
+          <p:nvSpPr>
+            <p:cNvPr id="11" name="Rounded Rectangle 10"/>
+            <p:cNvSpPr/>
+            <p:nvPr/>
+          </p:nvSpPr>
+          <p:spPr>
+            <a:xfrm>
+              <a:off x="5852160" y="3919526"/>
+              <a:ext cx="2737952" cy="363794"/>
+            </a:xfrm>
+            <a:prstGeom prst="roundRect">
+              <a:avLst/>
+            </a:prstGeom>
+            <a:noFill/>
+            <a:ln w="19050">
               <a:solidFill>
-                <a:schemeClr val="accent6">
-                  <a:lumMod val="75000"/>
-                </a:schemeClr>
+                <a:srgbClr val="92D050"/>
               </a:solidFill>
-            </a:endParaRPr>
-          </a:p>
-        </p:txBody>
-      </p:sp>
-      <p:sp>
-        <p:nvSpPr>
-          <p:cNvPr id="11" name="Rounded Rectangle 10"/>
-          <p:cNvSpPr/>
-          <p:nvPr/>
-        </p:nvSpPr>
-        <p:spPr>
-          <a:xfrm>
-            <a:off x="5036632" y="929737"/>
-            <a:ext cx="816079" cy="363794"/>
-          </a:xfrm>
-          <a:prstGeom prst="roundRect">
-            <a:avLst/>
-          </a:prstGeom>
-          <a:noFill/>
-          <a:ln w="19050">
-            <a:solidFill>
-              <a:srgbClr val="92D050"/>
-            </a:solidFill>
-          </a:ln>
-        </p:spPr>
-        <p:style>
-          <a:lnRef idx="2">
-            <a:schemeClr val="accent1">
-              <a:shade val="50000"/>
-            </a:schemeClr>
-          </a:lnRef>
-          <a:fillRef idx="1">
-            <a:schemeClr val="accent1"/>
-          </a:fillRef>
-          <a:effectRef idx="0">
-            <a:schemeClr val="accent1"/>
-          </a:effectRef>
-          <a:fontRef idx="minor">
-            <a:schemeClr val="lt1"/>
-          </a:fontRef>
-        </p:style>
-        <p:txBody>
-          <a:bodyPr lIns="0" rIns="0" rtlCol="0" anchor="ctr"/>
-          <a:lstStyle/>
-          <a:p>
-            <a:pPr algn="ctr"/>
-            <a:r>
-              <a:rPr lang="en-US" sz="1400" b="1" dirty="0" smtClean="0">
+            </a:ln>
+            <a:effectLst>
+              <a:outerShdw blurRad="50800" dist="38100" dir="2700000" algn="tl" rotWithShape="0">
+                <a:prstClr val="black">
+                  <a:alpha val="40000"/>
+                </a:prstClr>
+              </a:outerShdw>
+            </a:effectLst>
+          </p:spPr>
+          <p:style>
+            <a:lnRef idx="2">
+              <a:schemeClr val="accent1">
+                <a:shade val="50000"/>
+              </a:schemeClr>
+            </a:lnRef>
+            <a:fillRef idx="1">
+              <a:schemeClr val="accent1"/>
+            </a:fillRef>
+            <a:effectRef idx="0">
+              <a:schemeClr val="accent1"/>
+            </a:effectRef>
+            <a:fontRef idx="minor">
+              <a:schemeClr val="lt1"/>
+            </a:fontRef>
+          </p:style>
+          <p:txBody>
+            <a:bodyPr lIns="0" rIns="0" rtlCol="0" anchor="ctr"/>
+            <a:lstStyle/>
+            <a:p>
+              <a:pPr algn="ctr"/>
+              <a:r>
+                <a:rPr lang="en-US" sz="1400" b="1" dirty="0" smtClean="0">
+                  <a:solidFill>
+                    <a:schemeClr val="accent6">
+                      <a:lumMod val="75000"/>
+                    </a:schemeClr>
+                  </a:solidFill>
+                </a:rPr>
+                <a:t>Temp + Humidity – L2 </a:t>
+              </a:r>
+              <a:r>
+                <a:rPr lang="en-US" sz="1050" dirty="0" smtClean="0">
+                  <a:solidFill>
+                    <a:schemeClr val="accent6">
+                      <a:lumMod val="75000"/>
+                    </a:schemeClr>
+                  </a:solidFill>
+                </a:rPr>
+                <a:t>(SI7021)</a:t>
+              </a:r>
+              <a:endParaRPr lang="en-US" sz="1200" dirty="0">
                 <a:solidFill>
                   <a:schemeClr val="accent6">
                     <a:lumMod val="75000"/>
                   </a:schemeClr>
                 </a:solidFill>
-              </a:rPr>
-              <a:t>Pressure</a:t>
-            </a:r>
-            <a:endParaRPr lang="en-US" sz="1200" b="1" dirty="0">
+              </a:endParaRPr>
+            </a:p>
+          </p:txBody>
+        </p:sp>
+      </p:grpSp>
+      <p:grpSp>
+        <p:nvGrpSpPr>
+          <p:cNvPr id="38" name="Group 37"/>
+          <p:cNvGrpSpPr/>
+          <p:nvPr/>
+        </p:nvGrpSpPr>
+        <p:grpSpPr>
+          <a:xfrm>
+            <a:off x="1106807" y="2649763"/>
+            <a:ext cx="3060674" cy="1737444"/>
+            <a:chOff x="1273317" y="396340"/>
+            <a:chExt cx="3060674" cy="1737444"/>
+          </a:xfrm>
+        </p:grpSpPr>
+        <p:sp>
+          <p:nvSpPr>
+            <p:cNvPr id="18" name="Rounded Rectangle 17"/>
+            <p:cNvSpPr/>
+            <p:nvPr/>
+          </p:nvSpPr>
+          <p:spPr>
+            <a:xfrm>
+              <a:off x="1273317" y="396340"/>
+              <a:ext cx="3060674" cy="1737444"/>
+            </a:xfrm>
+            <a:prstGeom prst="roundRect">
+              <a:avLst/>
+            </a:prstGeom>
+            <a:noFill/>
+            <a:ln w="57150">
               <a:solidFill>
-                <a:schemeClr val="accent6">
-                  <a:lumMod val="75000"/>
-                </a:schemeClr>
+                <a:srgbClr val="FFFF00"/>
               </a:solidFill>
-            </a:endParaRPr>
-          </a:p>
-        </p:txBody>
-      </p:sp>
-      <p:pic>
-        <p:nvPicPr>
-          <p:cNvPr id="1026" name="Picture 2" descr="http://i.ebayimg.com/images/g/rTMAAOxyNo9SuS7t/s-l300.jpg"/>
-          <p:cNvPicPr>
-            <a:picLocks noChangeAspect="1" noChangeArrowheads="1"/>
-          </p:cNvPicPr>
+            </a:ln>
+            <a:effectLst>
+              <a:outerShdw blurRad="50800" dist="38100" dir="2700000" algn="tl" rotWithShape="0">
+                <a:prstClr val="black">
+                  <a:alpha val="40000"/>
+                </a:prstClr>
+              </a:outerShdw>
+            </a:effectLst>
+          </p:spPr>
+          <p:style>
+            <a:lnRef idx="2">
+              <a:schemeClr val="accent1">
+                <a:shade val="50000"/>
+              </a:schemeClr>
+            </a:lnRef>
+            <a:fillRef idx="1">
+              <a:schemeClr val="accent1"/>
+            </a:fillRef>
+            <a:effectRef idx="0">
+              <a:schemeClr val="accent1"/>
+            </a:effectRef>
+            <a:fontRef idx="minor">
+              <a:schemeClr val="lt1"/>
+            </a:fontRef>
+          </p:style>
+          <p:txBody>
+            <a:bodyPr rtlCol="0" anchor="t"/>
+            <a:lstStyle/>
+            <a:p>
+              <a:pPr algn="ctr"/>
+              <a:r>
+                <a:rPr lang="en-US" sz="2000" b="1" dirty="0" smtClean="0">
+                  <a:solidFill>
+                    <a:schemeClr val="accent6">
+                      <a:lumMod val="50000"/>
+                    </a:schemeClr>
+                  </a:solidFill>
+                  <a:effectLst>
+                    <a:glow rad="139700">
+                      <a:srgbClr val="FFFF00">
+                        <a:alpha val="40000"/>
+                      </a:srgbClr>
+                    </a:glow>
+                  </a:effectLst>
+                </a:rPr>
+                <a:t>Light Sensors</a:t>
+              </a:r>
+              <a:endParaRPr lang="en-US" sz="2000" b="1" dirty="0">
+                <a:solidFill>
+                  <a:schemeClr val="accent6">
+                    <a:lumMod val="50000"/>
+                  </a:schemeClr>
+                </a:solidFill>
+                <a:effectLst>
+                  <a:glow rad="139700">
+                    <a:srgbClr val="FFFF00">
+                      <a:alpha val="40000"/>
+                    </a:srgbClr>
+                  </a:glow>
+                </a:effectLst>
+              </a:endParaRPr>
+            </a:p>
+          </p:txBody>
+        </p:sp>
+        <p:sp>
+          <p:nvSpPr>
+            <p:cNvPr id="21" name="Rounded Rectangle 20"/>
+            <p:cNvSpPr/>
+            <p:nvPr/>
+          </p:nvSpPr>
+          <p:spPr>
+            <a:xfrm>
+              <a:off x="1547426" y="904046"/>
+              <a:ext cx="2544721" cy="328948"/>
+            </a:xfrm>
+            <a:prstGeom prst="roundRect">
+              <a:avLst/>
+            </a:prstGeom>
+            <a:noFill/>
+            <a:ln w="19050">
+              <a:solidFill>
+                <a:srgbClr val="FFFF00"/>
+              </a:solidFill>
+            </a:ln>
+            <a:effectLst>
+              <a:outerShdw blurRad="50800" dist="38100" dir="2700000" algn="tl" rotWithShape="0">
+                <a:prstClr val="black">
+                  <a:alpha val="40000"/>
+                </a:prstClr>
+              </a:outerShdw>
+            </a:effectLst>
+          </p:spPr>
+          <p:style>
+            <a:lnRef idx="2">
+              <a:schemeClr val="accent1">
+                <a:shade val="50000"/>
+              </a:schemeClr>
+            </a:lnRef>
+            <a:fillRef idx="1">
+              <a:schemeClr val="accent1"/>
+            </a:fillRef>
+            <a:effectRef idx="0">
+              <a:schemeClr val="accent1"/>
+            </a:effectRef>
+            <a:fontRef idx="minor">
+              <a:schemeClr val="lt1"/>
+            </a:fontRef>
+          </p:style>
+          <p:txBody>
+            <a:bodyPr lIns="0" rIns="0" rtlCol="0" anchor="t"/>
+            <a:lstStyle/>
+            <a:p>
+              <a:pPr algn="ctr"/>
+              <a:r>
+                <a:rPr lang="en-US" sz="1400" b="1" dirty="0" smtClean="0">
+                  <a:solidFill>
+                    <a:schemeClr val="accent6">
+                      <a:lumMod val="75000"/>
+                    </a:schemeClr>
+                  </a:solidFill>
+                </a:rPr>
+                <a:t>Visibl</a:t>
+              </a:r>
+              <a:r>
+                <a:rPr lang="en-US" sz="1400" b="1" dirty="0" smtClean="0">
+                  <a:solidFill>
+                    <a:schemeClr val="accent6">
+                      <a:lumMod val="75000"/>
+                    </a:schemeClr>
+                  </a:solidFill>
+                </a:rPr>
+                <a:t>e Light – L1 </a:t>
+              </a:r>
+              <a:r>
+                <a:rPr lang="en-US" sz="1100" dirty="0" smtClean="0">
+                  <a:solidFill>
+                    <a:schemeClr val="accent6">
+                      <a:lumMod val="75000"/>
+                    </a:schemeClr>
+                  </a:solidFill>
+                </a:rPr>
+                <a:t>(BH1750)</a:t>
+              </a:r>
+              <a:endParaRPr lang="en-US" sz="1050" dirty="0">
+                <a:solidFill>
+                  <a:schemeClr val="accent6">
+                    <a:lumMod val="75000"/>
+                  </a:schemeClr>
+                </a:solidFill>
+              </a:endParaRPr>
+            </a:p>
+          </p:txBody>
+        </p:sp>
+        <p:sp>
+          <p:nvSpPr>
+            <p:cNvPr id="22" name="Rounded Rectangle 21"/>
+            <p:cNvSpPr/>
+            <p:nvPr/>
+          </p:nvSpPr>
+          <p:spPr>
+            <a:xfrm>
+              <a:off x="1554565" y="1367307"/>
+              <a:ext cx="2544720" cy="556680"/>
+            </a:xfrm>
+            <a:prstGeom prst="roundRect">
+              <a:avLst/>
+            </a:prstGeom>
+            <a:noFill/>
+            <a:ln w="19050">
+              <a:solidFill>
+                <a:srgbClr val="FFFF00"/>
+              </a:solidFill>
+            </a:ln>
+            <a:effectLst>
+              <a:outerShdw blurRad="50800" dist="38100" dir="2700000" algn="tl" rotWithShape="0">
+                <a:prstClr val="black">
+                  <a:alpha val="40000"/>
+                </a:prstClr>
+              </a:outerShdw>
+            </a:effectLst>
+          </p:spPr>
+          <p:style>
+            <a:lnRef idx="2">
+              <a:schemeClr val="accent1">
+                <a:shade val="50000"/>
+              </a:schemeClr>
+            </a:lnRef>
+            <a:fillRef idx="1">
+              <a:schemeClr val="accent1"/>
+            </a:fillRef>
+            <a:effectRef idx="0">
+              <a:schemeClr val="accent1"/>
+            </a:effectRef>
+            <a:fontRef idx="minor">
+              <a:schemeClr val="lt1"/>
+            </a:fontRef>
+          </p:style>
+          <p:txBody>
+            <a:bodyPr lIns="0" rIns="0" rtlCol="0" anchor="ctr"/>
+            <a:lstStyle/>
+            <a:p>
+              <a:pPr algn="ctr"/>
+              <a:r>
+                <a:rPr lang="en-US" sz="1400" b="1" dirty="0" smtClean="0">
+                  <a:solidFill>
+                    <a:schemeClr val="accent6">
+                      <a:lumMod val="75000"/>
+                    </a:schemeClr>
+                  </a:solidFill>
+                </a:rPr>
+                <a:t>Visible + IR Light – L2 </a:t>
+              </a:r>
+              <a:r>
+                <a:rPr lang="en-US" sz="1050" dirty="0" smtClean="0">
+                  <a:solidFill>
+                    <a:schemeClr val="accent6">
+                      <a:lumMod val="75000"/>
+                    </a:schemeClr>
+                  </a:solidFill>
+                </a:rPr>
+                <a:t>(TSL2561)</a:t>
+              </a:r>
+            </a:p>
+            <a:p>
+              <a:pPr algn="ctr"/>
+              <a:r>
+                <a:rPr lang="en-US" sz="1050" dirty="0" smtClean="0">
+                  <a:solidFill>
+                    <a:schemeClr val="accent6">
+                      <a:lumMod val="75000"/>
+                    </a:schemeClr>
+                  </a:solidFill>
+                </a:rPr>
+                <a:t>Better precision</a:t>
+              </a:r>
+              <a:endParaRPr lang="en-US" sz="1050" dirty="0">
+                <a:solidFill>
+                  <a:schemeClr val="accent6">
+                    <a:lumMod val="75000"/>
+                  </a:schemeClr>
+                </a:solidFill>
+              </a:endParaRPr>
+            </a:p>
+          </p:txBody>
+        </p:sp>
+      </p:grpSp>
+      <p:grpSp>
+        <p:nvGrpSpPr>
+          <p:cNvPr id="23" name="Group 22"/>
+          <p:cNvGrpSpPr/>
           <p:nvPr/>
-        </p:nvPicPr>
-        <p:blipFill>
-          <a:blip r:embed="rId2" cstate="print">
+        </p:nvGrpSpPr>
+        <p:grpSpPr>
+          <a:xfrm>
+            <a:off x="1020564" y="4857085"/>
+            <a:ext cx="3175822" cy="1721072"/>
+            <a:chOff x="2316215" y="2736468"/>
+            <a:chExt cx="3175822" cy="1721072"/>
+          </a:xfrm>
+        </p:grpSpPr>
+        <p:pic>
+          <p:nvPicPr>
+            <p:cNvPr id="1034" name="Picture 10" descr="hand1.png (460×360)"/>
+            <p:cNvPicPr>
+              <a:picLocks noChangeAspect="1" noChangeArrowheads="1"/>
+            </p:cNvPicPr>
+            <p:nvPr/>
+          </p:nvPicPr>
+          <p:blipFill>
+            <a:blip r:embed="rId2" cstate="print">
+              <a:extLst>
+                <a:ext uri="{28A0092B-C50C-407E-A947-70E740481C1C}">
+                  <a14:useLocalDpi xmlns:a14="http://schemas.microsoft.com/office/drawing/2010/main" val="0"/>
+                </a:ext>
+              </a:extLst>
+            </a:blip>
+            <a:stretch>
+              <a:fillRect/>
+            </a:stretch>
+          </p:blipFill>
+          <p:spPr bwMode="auto">
+            <a:xfrm>
+              <a:off x="2316215" y="3091896"/>
+              <a:ext cx="1704191" cy="1334257"/>
+            </a:xfrm>
+            <a:prstGeom prst="rect">
+              <a:avLst/>
+            </a:prstGeom>
+            <a:noFill/>
             <a:extLst>
-              <a:ext uri="{28A0092B-C50C-407E-A947-70E740481C1C}">
-                <a14:useLocalDpi xmlns:a14="http://schemas.microsoft.com/office/drawing/2010/main" val="0"/>
+              <a:ext uri="{909E8E84-426E-40DD-AFC4-6F175D3DCCD1}">
+                <a14:hiddenFill xmlns:a14="http://schemas.microsoft.com/office/drawing/2010/main">
+                  <a:solidFill>
+                    <a:srgbClr val="FFFFFF"/>
+                  </a:solidFill>
+                </a14:hiddenFill>
               </a:ext>
             </a:extLst>
-          </a:blip>
-          <a:srcRect/>
-          <a:stretch>
-            <a:fillRect/>
-          </a:stretch>
-        </p:blipFill>
-        <p:spPr bwMode="auto">
-          <a:xfrm>
-            <a:off x="1816890" y="1508465"/>
-            <a:ext cx="1095536" cy="1125551"/>
-          </a:xfrm>
-          <a:prstGeom prst="rect">
-            <a:avLst/>
-          </a:prstGeom>
-          <a:noFill/>
-          <a:extLst>
-            <a:ext uri="{909E8E84-426E-40DD-AFC4-6F175D3DCCD1}">
-              <a14:hiddenFill xmlns:a14="http://schemas.microsoft.com/office/drawing/2010/main">
-                <a:solidFill>
-                  <a:srgbClr val="FFFFFF"/>
-                </a:solidFill>
-              </a14:hiddenFill>
-            </a:ext>
-          </a:extLst>
-        </p:spPr>
-      </p:pic>
-      <p:pic>
-        <p:nvPicPr>
-          <p:cNvPr id="1028" name="Picture 4" descr="http://yourduino.com/sunshop2/images/products/large_62_LCD-1602-2.jpg"/>
-          <p:cNvPicPr>
-            <a:picLocks noChangeAspect="1" noChangeArrowheads="1"/>
-          </p:cNvPicPr>
-          <p:nvPr/>
-        </p:nvPicPr>
-        <p:blipFill>
-          <a:blip r:embed="rId3">
-            <a:extLst>
-              <a:ext uri="{28A0092B-C50C-407E-A947-70E740481C1C}">
-                <a14:useLocalDpi xmlns:a14="http://schemas.microsoft.com/office/drawing/2010/main" val="0"/>
-              </a:ext>
-            </a:extLst>
-          </a:blip>
-          <a:srcRect/>
-          <a:stretch>
-            <a:fillRect/>
-          </a:stretch>
-        </p:blipFill>
-        <p:spPr bwMode="auto">
-          <a:xfrm>
-            <a:off x="2936686" y="1689757"/>
-            <a:ext cx="1520825" cy="704275"/>
-          </a:xfrm>
-          <a:prstGeom prst="rect">
-            <a:avLst/>
-          </a:prstGeom>
-          <a:noFill/>
-          <a:extLst>
-            <a:ext uri="{909E8E84-426E-40DD-AFC4-6F175D3DCCD1}">
-              <a14:hiddenFill xmlns:a14="http://schemas.microsoft.com/office/drawing/2010/main">
-                <a:solidFill>
-                  <a:srgbClr val="FFFFFF"/>
-                </a:solidFill>
-              </a14:hiddenFill>
-            </a:ext>
-          </a:extLst>
-        </p:spPr>
-      </p:pic>
-      <p:pic>
-        <p:nvPicPr>
-          <p:cNvPr id="1030" name="Picture 6" descr="towerpro-mg90.jpg (250×265)"/>
-          <p:cNvPicPr>
-            <a:picLocks noChangeAspect="1" noChangeArrowheads="1"/>
-          </p:cNvPicPr>
-          <p:nvPr/>
-        </p:nvPicPr>
-        <p:blipFill>
-          <a:blip r:embed="rId4" cstate="print">
-            <a:extLst>
-              <a:ext uri="{28A0092B-C50C-407E-A947-70E740481C1C}">
-                <a14:useLocalDpi xmlns:a14="http://schemas.microsoft.com/office/drawing/2010/main" val="0"/>
-              </a:ext>
-            </a:extLst>
-          </a:blip>
-          <a:srcRect/>
-          <a:stretch>
-            <a:fillRect/>
-          </a:stretch>
-        </p:blipFill>
-        <p:spPr bwMode="auto">
-          <a:xfrm>
-            <a:off x="5664611" y="1508465"/>
-            <a:ext cx="1006472" cy="1066861"/>
-          </a:xfrm>
-          <a:prstGeom prst="rect">
-            <a:avLst/>
-          </a:prstGeom>
-          <a:noFill/>
-          <a:extLst>
-            <a:ext uri="{909E8E84-426E-40DD-AFC4-6F175D3DCCD1}">
-              <a14:hiddenFill xmlns:a14="http://schemas.microsoft.com/office/drawing/2010/main">
-                <a:solidFill>
-                  <a:srgbClr val="FFFFFF"/>
-                </a:solidFill>
-              </a14:hiddenFill>
-            </a:ext>
-          </a:extLst>
-        </p:spPr>
-      </p:pic>
-      <p:pic>
-        <p:nvPicPr>
-          <p:cNvPr id="13" name="Picture 12"/>
-          <p:cNvPicPr>
-            <a:picLocks noChangeAspect="1"/>
-          </p:cNvPicPr>
-          <p:nvPr/>
-        </p:nvPicPr>
-        <p:blipFill>
-          <a:blip r:embed="rId5"/>
-          <a:stretch>
-            <a:fillRect/>
-          </a:stretch>
-        </p:blipFill>
-        <p:spPr>
-          <a:xfrm>
-            <a:off x="3300280" y="2719493"/>
-            <a:ext cx="1319060" cy="1164324"/>
-          </a:xfrm>
-          <a:prstGeom prst="rect">
-            <a:avLst/>
-          </a:prstGeom>
-        </p:spPr>
-      </p:pic>
-      <p:pic>
-        <p:nvPicPr>
-          <p:cNvPr id="1032" name="Picture 8" descr="hc-sr5011.jpg (469×368)"/>
-          <p:cNvPicPr>
-            <a:picLocks noChangeAspect="1" noChangeArrowheads="1"/>
-          </p:cNvPicPr>
-          <p:nvPr/>
-        </p:nvPicPr>
-        <p:blipFill>
-          <a:blip r:embed="rId6" cstate="print">
-            <a:extLst>
-              <a:ext uri="{28A0092B-C50C-407E-A947-70E740481C1C}">
-                <a14:useLocalDpi xmlns:a14="http://schemas.microsoft.com/office/drawing/2010/main" val="0"/>
-              </a:ext>
-            </a:extLst>
-          </a:blip>
-          <a:srcRect/>
-          <a:stretch>
-            <a:fillRect/>
-          </a:stretch>
-        </p:blipFill>
-        <p:spPr bwMode="auto">
-          <a:xfrm>
-            <a:off x="4475091" y="1579899"/>
-            <a:ext cx="1177584" cy="923989"/>
-          </a:xfrm>
-          <a:prstGeom prst="rect">
-            <a:avLst/>
-          </a:prstGeom>
-          <a:noFill/>
-          <a:extLst>
-            <a:ext uri="{909E8E84-426E-40DD-AFC4-6F175D3DCCD1}">
-              <a14:hiddenFill xmlns:a14="http://schemas.microsoft.com/office/drawing/2010/main">
-                <a:solidFill>
-                  <a:srgbClr val="FFFFFF"/>
-                </a:solidFill>
-              </a14:hiddenFill>
-            </a:ext>
-          </a:extLst>
-        </p:spPr>
-      </p:pic>
-      <p:pic>
-        <p:nvPicPr>
-          <p:cNvPr id="14" name="Picture 13"/>
-          <p:cNvPicPr>
-            <a:picLocks noChangeAspect="1"/>
-          </p:cNvPicPr>
-          <p:nvPr/>
-        </p:nvPicPr>
-        <p:blipFill>
-          <a:blip r:embed="rId7"/>
-          <a:stretch>
-            <a:fillRect/>
-          </a:stretch>
-        </p:blipFill>
-        <p:spPr>
-          <a:xfrm>
-            <a:off x="4619340" y="2708246"/>
-            <a:ext cx="1398325" cy="1212420"/>
-          </a:xfrm>
-          <a:prstGeom prst="rect">
-            <a:avLst/>
-          </a:prstGeom>
-        </p:spPr>
-      </p:pic>
-      <p:pic>
-        <p:nvPicPr>
-          <p:cNvPr id="1034" name="Picture 10" descr="hand1.png (460×360)"/>
-          <p:cNvPicPr>
-            <a:picLocks noChangeAspect="1" noChangeArrowheads="1"/>
-          </p:cNvPicPr>
-          <p:nvPr/>
-        </p:nvPicPr>
-        <p:blipFill>
-          <a:blip r:embed="rId8" cstate="print">
-            <a:extLst>
-              <a:ext uri="{28A0092B-C50C-407E-A947-70E740481C1C}">
-                <a14:useLocalDpi xmlns:a14="http://schemas.microsoft.com/office/drawing/2010/main" val="0"/>
-              </a:ext>
-            </a:extLst>
-          </a:blip>
-          <a:srcRect/>
-          <a:stretch>
-            <a:fillRect/>
-          </a:stretch>
-        </p:blipFill>
-        <p:spPr bwMode="auto">
-          <a:xfrm>
-            <a:off x="1594092" y="2634016"/>
-            <a:ext cx="1706188" cy="1335279"/>
-          </a:xfrm>
-          <a:prstGeom prst="rect">
-            <a:avLst/>
-          </a:prstGeom>
-          <a:noFill/>
-          <a:extLst>
-            <a:ext uri="{909E8E84-426E-40DD-AFC4-6F175D3DCCD1}">
-              <a14:hiddenFill xmlns:a14="http://schemas.microsoft.com/office/drawing/2010/main">
-                <a:solidFill>
-                  <a:srgbClr val="FFFFFF"/>
-                </a:solidFill>
-              </a14:hiddenFill>
-            </a:ext>
-          </a:extLst>
-        </p:spPr>
-      </p:pic>
-      <p:sp>
-        <p:nvSpPr>
-          <p:cNvPr id="17" name="Rounded Rectangle 16"/>
-          <p:cNvSpPr/>
-          <p:nvPr/>
-        </p:nvSpPr>
-        <p:spPr>
-          <a:xfrm>
-            <a:off x="1639026" y="3314456"/>
-            <a:ext cx="1602567" cy="521989"/>
-          </a:xfrm>
-          <a:prstGeom prst="roundRect">
-            <a:avLst/>
-          </a:prstGeom>
-          <a:noFill/>
-          <a:ln w="57150">
-            <a:solidFill>
-              <a:srgbClr val="7030A0"/>
-            </a:solidFill>
-          </a:ln>
-        </p:spPr>
-        <p:style>
-          <a:lnRef idx="2">
-            <a:schemeClr val="accent1">
-              <a:shade val="50000"/>
-            </a:schemeClr>
-          </a:lnRef>
-          <a:fillRef idx="1">
-            <a:schemeClr val="accent1"/>
-          </a:fillRef>
-          <a:effectRef idx="0">
-            <a:schemeClr val="accent1"/>
-          </a:effectRef>
-          <a:fontRef idx="minor">
-            <a:schemeClr val="lt1"/>
-          </a:fontRef>
-        </p:style>
-        <p:txBody>
-          <a:bodyPr lIns="0" rIns="0" rtlCol="0" anchor="ctr"/>
-          <a:lstStyle/>
-          <a:p>
-            <a:pPr algn="ctr"/>
-            <a:r>
-              <a:rPr lang="en-US" b="1" dirty="0" smtClean="0">
+          </p:spPr>
+        </p:pic>
+        <p:sp>
+          <p:nvSpPr>
+            <p:cNvPr id="17" name="Rounded Rectangle 16"/>
+            <p:cNvSpPr/>
+            <p:nvPr/>
+          </p:nvSpPr>
+          <p:spPr>
+            <a:xfrm>
+              <a:off x="2402458" y="2736468"/>
+              <a:ext cx="3060674" cy="1721072"/>
+            </a:xfrm>
+            <a:prstGeom prst="roundRect">
+              <a:avLst/>
+            </a:prstGeom>
+            <a:noFill/>
+            <a:ln w="57150">
+              <a:solidFill>
+                <a:srgbClr val="7030A0"/>
+              </a:solidFill>
+            </a:ln>
+            <a:effectLst>
+              <a:outerShdw blurRad="50800" dist="38100" dir="2700000" algn="tl" rotWithShape="0">
+                <a:prstClr val="black">
+                  <a:alpha val="40000"/>
+                </a:prstClr>
+              </a:outerShdw>
+            </a:effectLst>
+          </p:spPr>
+          <p:style>
+            <a:lnRef idx="2">
+              <a:schemeClr val="accent1">
+                <a:shade val="50000"/>
+              </a:schemeClr>
+            </a:lnRef>
+            <a:fillRef idx="1">
+              <a:schemeClr val="accent1"/>
+            </a:fillRef>
+            <a:effectRef idx="0">
+              <a:schemeClr val="accent1"/>
+            </a:effectRef>
+            <a:fontRef idx="minor">
+              <a:schemeClr val="lt1"/>
+            </a:fontRef>
+          </p:style>
+          <p:txBody>
+            <a:bodyPr lIns="0" rIns="0" rtlCol="0" anchor="t"/>
+            <a:lstStyle/>
+            <a:p>
+              <a:pPr algn="ctr"/>
+              <a:r>
+                <a:rPr lang="en-US" sz="2000" b="1" dirty="0" smtClean="0">
+                  <a:solidFill>
+                    <a:srgbClr val="7030A0"/>
+                  </a:solidFill>
+                  <a:effectLst>
+                    <a:glow rad="127000">
+                      <a:srgbClr val="CC99FF"/>
+                    </a:glow>
+                  </a:effectLst>
+                </a:rPr>
+                <a:t>Gesture </a:t>
+              </a:r>
+              <a:r>
+                <a:rPr lang="en-US" sz="2000" b="1" dirty="0" smtClean="0">
+                  <a:solidFill>
+                    <a:srgbClr val="7030A0"/>
+                  </a:solidFill>
+                  <a:effectLst>
+                    <a:glow rad="127000">
+                      <a:srgbClr val="CC99FF"/>
+                    </a:glow>
+                  </a:effectLst>
+                </a:rPr>
+                <a:t>Sensor</a:t>
+              </a:r>
+              <a:r>
+                <a:rPr lang="en-US" sz="2000" b="1" dirty="0" smtClean="0">
+                  <a:solidFill>
+                    <a:srgbClr val="7030A0"/>
+                  </a:solidFill>
+                  <a:effectLst>
+                    <a:glow rad="127000">
+                      <a:srgbClr val="CC99FF"/>
+                    </a:glow>
+                  </a:effectLst>
+                </a:rPr>
+                <a:t>  L5</a:t>
+              </a:r>
+              <a:endParaRPr lang="en-US" sz="2000" b="1" dirty="0">
                 <a:solidFill>
                   <a:srgbClr val="7030A0"/>
                 </a:solidFill>
                 <a:effectLst>
                   <a:glow rad="127000">
-                    <a:schemeClr val="bg1"/>
+                    <a:srgbClr val="CC99FF"/>
                   </a:glow>
                 </a:effectLst>
-              </a:rPr>
-              <a:t>Gesture Sensor</a:t>
-            </a:r>
-            <a:endParaRPr lang="en-US" b="1" dirty="0">
+              </a:endParaRPr>
+            </a:p>
+          </p:txBody>
+        </p:sp>
+        <p:sp>
+          <p:nvSpPr>
+            <p:cNvPr id="12" name="TextBox 11"/>
+            <p:cNvSpPr txBox="1"/>
+            <p:nvPr/>
+          </p:nvSpPr>
+          <p:spPr>
+            <a:xfrm>
+              <a:off x="3794760" y="3178727"/>
+              <a:ext cx="1697277" cy="1115690"/>
+            </a:xfrm>
+            <a:prstGeom prst="rect">
+              <a:avLst/>
+            </a:prstGeom>
+            <a:noFill/>
+            <a:effectLst>
+              <a:outerShdw blurRad="50800" dist="38100" dir="2700000" algn="tl" rotWithShape="0">
+                <a:prstClr val="black">
+                  <a:alpha val="40000"/>
+                </a:prstClr>
+              </a:outerShdw>
+            </a:effectLst>
+          </p:spPr>
+          <p:txBody>
+            <a:bodyPr wrap="square" rtlCol="0">
+              <a:spAutoFit/>
+            </a:bodyPr>
+            <a:lstStyle/>
+            <a:p>
+              <a:r>
+                <a:rPr lang="en-US" sz="1400" dirty="0" smtClean="0">
+                  <a:solidFill>
+                    <a:srgbClr val="7030A0"/>
+                  </a:solidFill>
+                </a:rPr>
+                <a:t>Can detect 6 gestures: UP, DOWN, LEFT, RIGHT, FAR, NEAR</a:t>
+              </a:r>
+            </a:p>
+            <a:p>
+              <a:r>
+                <a:rPr lang="en-US" sz="1050" dirty="0" smtClean="0">
+                  <a:solidFill>
+                    <a:srgbClr val="7030A0"/>
+                  </a:solidFill>
+                </a:rPr>
+                <a:t>(APDS-9960)</a:t>
+              </a:r>
+              <a:endParaRPr lang="en-US" sz="1050" dirty="0">
+                <a:solidFill>
+                  <a:srgbClr val="7030A0"/>
+                </a:solidFill>
+              </a:endParaRPr>
+            </a:p>
+          </p:txBody>
+        </p:sp>
+      </p:grpSp>
+      <p:grpSp>
+        <p:nvGrpSpPr>
+          <p:cNvPr id="16" name="Group 15"/>
+          <p:cNvGrpSpPr/>
+          <p:nvPr/>
+        </p:nvGrpSpPr>
+        <p:grpSpPr>
+          <a:xfrm>
+            <a:off x="4650642" y="4857085"/>
+            <a:ext cx="3144144" cy="1721072"/>
+            <a:chOff x="2364658" y="4558642"/>
+            <a:chExt cx="3144144" cy="1721072"/>
+          </a:xfrm>
+        </p:grpSpPr>
+        <p:pic>
+          <p:nvPicPr>
+            <p:cNvPr id="14" name="Picture 13"/>
+            <p:cNvPicPr>
+              <a:picLocks noChangeAspect="1"/>
+            </p:cNvPicPr>
+            <p:nvPr/>
+          </p:nvPicPr>
+          <p:blipFill>
+            <a:blip r:embed="rId3"/>
+            <a:stretch>
+              <a:fillRect/>
+            </a:stretch>
+          </p:blipFill>
+          <p:spPr>
+            <a:xfrm>
+              <a:off x="2469147" y="5049094"/>
+              <a:ext cx="1398325" cy="1212420"/>
+            </a:xfrm>
+            <a:prstGeom prst="rect">
+              <a:avLst/>
+            </a:prstGeom>
+          </p:spPr>
+        </p:pic>
+        <p:sp>
+          <p:nvSpPr>
+            <p:cNvPr id="27" name="Rounded Rectangle 26"/>
+            <p:cNvSpPr/>
+            <p:nvPr/>
+          </p:nvSpPr>
+          <p:spPr>
+            <a:xfrm>
+              <a:off x="2364658" y="4558642"/>
+              <a:ext cx="3144144" cy="1721072"/>
+            </a:xfrm>
+            <a:prstGeom prst="roundRect">
+              <a:avLst/>
+            </a:prstGeom>
+            <a:noFill/>
+            <a:ln w="57150">
               <a:solidFill>
-                <a:srgbClr val="7030A0"/>
+                <a:srgbClr val="FF0000"/>
               </a:solidFill>
-              <a:effectLst>
-                <a:glow rad="127000">
-                  <a:schemeClr val="bg1"/>
-                </a:glow>
-              </a:effectLst>
-            </a:endParaRPr>
-          </a:p>
-        </p:txBody>
-      </p:sp>
-      <p:pic>
-        <p:nvPicPr>
-          <p:cNvPr id="19" name="Picture 18"/>
-          <p:cNvPicPr>
-            <a:picLocks noChangeAspect="1"/>
-          </p:cNvPicPr>
+            </a:ln>
+            <a:effectLst>
+              <a:outerShdw blurRad="50800" dist="38100" dir="2700000" algn="tl" rotWithShape="0">
+                <a:prstClr val="black">
+                  <a:alpha val="40000"/>
+                </a:prstClr>
+              </a:outerShdw>
+            </a:effectLst>
+          </p:spPr>
+          <p:style>
+            <a:lnRef idx="2">
+              <a:schemeClr val="accent1">
+                <a:shade val="50000"/>
+              </a:schemeClr>
+            </a:lnRef>
+            <a:fillRef idx="1">
+              <a:schemeClr val="accent1"/>
+            </a:fillRef>
+            <a:effectRef idx="0">
+              <a:schemeClr val="accent1"/>
+            </a:effectRef>
+            <a:fontRef idx="minor">
+              <a:schemeClr val="lt1"/>
+            </a:fontRef>
+          </p:style>
+          <p:txBody>
+            <a:bodyPr lIns="0" rIns="0" rtlCol="0" anchor="t"/>
+            <a:lstStyle/>
+            <a:p>
+              <a:pPr algn="ctr"/>
+              <a:r>
+                <a:rPr lang="en-US" sz="2000" b="1" dirty="0" smtClean="0">
+                  <a:solidFill>
+                    <a:srgbClr val="C00000"/>
+                  </a:solidFill>
+                  <a:effectLst>
+                    <a:glow rad="127000">
+                      <a:srgbClr val="FF9999"/>
+                    </a:glow>
+                  </a:effectLst>
+                </a:rPr>
+                <a:t>Gesture </a:t>
+              </a:r>
+              <a:r>
+                <a:rPr lang="en-US" sz="2000" b="1" dirty="0" smtClean="0">
+                  <a:solidFill>
+                    <a:srgbClr val="C00000"/>
+                  </a:solidFill>
+                  <a:effectLst>
+                    <a:glow rad="127000">
+                      <a:srgbClr val="FF9999"/>
+                    </a:glow>
+                  </a:effectLst>
+                </a:rPr>
+                <a:t>Sensor</a:t>
+              </a:r>
+              <a:r>
+                <a:rPr lang="en-US" sz="2000" b="1" dirty="0" smtClean="0">
+                  <a:solidFill>
+                    <a:srgbClr val="C00000"/>
+                  </a:solidFill>
+                  <a:effectLst>
+                    <a:glow rad="127000">
+                      <a:srgbClr val="FF9999"/>
+                    </a:glow>
+                  </a:effectLst>
+                </a:rPr>
+                <a:t>  L4</a:t>
+              </a:r>
+              <a:endParaRPr lang="en-US" sz="2000" b="1" dirty="0">
+                <a:solidFill>
+                  <a:srgbClr val="C00000"/>
+                </a:solidFill>
+                <a:effectLst>
+                  <a:glow rad="127000">
+                    <a:srgbClr val="FF9999"/>
+                  </a:glow>
+                </a:effectLst>
+              </a:endParaRPr>
+            </a:p>
+          </p:txBody>
+        </p:sp>
+        <p:sp>
+          <p:nvSpPr>
+            <p:cNvPr id="29" name="TextBox 28"/>
+            <p:cNvSpPr txBox="1"/>
+            <p:nvPr/>
+          </p:nvSpPr>
+          <p:spPr>
+            <a:xfrm>
+              <a:off x="3811525" y="5052308"/>
+              <a:ext cx="1697277" cy="900246"/>
+            </a:xfrm>
+            <a:prstGeom prst="rect">
+              <a:avLst/>
+            </a:prstGeom>
+            <a:noFill/>
+            <a:effectLst>
+              <a:outerShdw blurRad="50800" dist="38100" dir="2700000" algn="tl" rotWithShape="0">
+                <a:prstClr val="black">
+                  <a:alpha val="40000"/>
+                </a:prstClr>
+              </a:outerShdw>
+            </a:effectLst>
+          </p:spPr>
+          <p:txBody>
+            <a:bodyPr wrap="square" rtlCol="0">
+              <a:spAutoFit/>
+            </a:bodyPr>
+            <a:lstStyle/>
+            <a:p>
+              <a:r>
+                <a:rPr lang="en-US" sz="1400" dirty="0" smtClean="0">
+                  <a:solidFill>
+                    <a:srgbClr val="C00000"/>
+                  </a:solidFill>
+                </a:rPr>
+                <a:t>Scan and program NFC and RFID cards (13 </a:t>
+              </a:r>
+              <a:r>
+                <a:rPr lang="en-US" sz="1400" dirty="0" err="1" smtClean="0">
+                  <a:solidFill>
+                    <a:srgbClr val="C00000"/>
+                  </a:solidFill>
+                </a:rPr>
+                <a:t>Mhz</a:t>
+              </a:r>
+              <a:r>
+                <a:rPr lang="en-US" sz="1400" dirty="0" smtClean="0">
+                  <a:solidFill>
+                    <a:srgbClr val="C00000"/>
+                  </a:solidFill>
+                </a:rPr>
+                <a:t>)</a:t>
+              </a:r>
+            </a:p>
+            <a:p>
+              <a:r>
+                <a:rPr lang="en-US" sz="1050" dirty="0" smtClean="0">
+                  <a:solidFill>
+                    <a:srgbClr val="C00000"/>
+                  </a:solidFill>
+                </a:rPr>
+                <a:t>(PN 532)</a:t>
+              </a:r>
+              <a:endParaRPr lang="en-US" sz="1050" dirty="0">
+                <a:solidFill>
+                  <a:srgbClr val="C00000"/>
+                </a:solidFill>
+              </a:endParaRPr>
+            </a:p>
+          </p:txBody>
+        </p:sp>
+      </p:grpSp>
+      <p:grpSp>
+        <p:nvGrpSpPr>
+          <p:cNvPr id="54" name="Group 53"/>
+          <p:cNvGrpSpPr/>
           <p:nvPr/>
-        </p:nvPicPr>
-        <p:blipFill>
-          <a:blip r:embed="rId9"/>
-          <a:stretch>
-            <a:fillRect/>
-          </a:stretch>
-        </p:blipFill>
-        <p:spPr>
+        </p:nvGrpSpPr>
+        <p:grpSpPr>
           <a:xfrm>
-            <a:off x="6766873" y="452222"/>
-            <a:ext cx="1806466" cy="1202763"/>
+            <a:off x="1223529" y="497912"/>
+            <a:ext cx="2827230" cy="1806777"/>
+            <a:chOff x="1020565" y="443724"/>
+            <a:chExt cx="2827230" cy="1806777"/>
           </a:xfrm>
-          <a:prstGeom prst="rect">
-            <a:avLst/>
-          </a:prstGeom>
-        </p:spPr>
-      </p:pic>
-      <p:pic>
-        <p:nvPicPr>
-          <p:cNvPr id="20" name="Picture 19"/>
-          <p:cNvPicPr>
-            <a:picLocks noChangeAspect="1"/>
-          </p:cNvPicPr>
+        </p:grpSpPr>
+        <p:pic>
+          <p:nvPicPr>
+            <p:cNvPr id="49" name="Picture 48"/>
+            <p:cNvPicPr>
+              <a:picLocks noChangeAspect="1"/>
+            </p:cNvPicPr>
+            <p:nvPr/>
+          </p:nvPicPr>
+          <p:blipFill>
+            <a:blip r:embed="rId4"/>
+            <a:stretch>
+              <a:fillRect/>
+            </a:stretch>
+          </p:blipFill>
+          <p:spPr>
+            <a:xfrm rot="5400000">
+              <a:off x="1530791" y="-66502"/>
+              <a:ext cx="1806777" cy="2827230"/>
+            </a:xfrm>
+            <a:prstGeom prst="rect">
+              <a:avLst/>
+            </a:prstGeom>
+          </p:spPr>
+        </p:pic>
+        <p:sp>
+          <p:nvSpPr>
+            <p:cNvPr id="50" name="TextBox 49"/>
+            <p:cNvSpPr txBox="1"/>
+            <p:nvPr/>
+          </p:nvSpPr>
+          <p:spPr>
+            <a:xfrm>
+              <a:off x="3096787" y="443724"/>
+              <a:ext cx="614271" cy="646331"/>
+            </a:xfrm>
+            <a:prstGeom prst="rect">
+              <a:avLst/>
+            </a:prstGeom>
+            <a:noFill/>
+            <a:effectLst>
+              <a:glow rad="139700">
+                <a:schemeClr val="accent1">
+                  <a:satMod val="175000"/>
+                  <a:alpha val="40000"/>
+                </a:schemeClr>
+              </a:glow>
+            </a:effectLst>
+          </p:spPr>
+          <p:txBody>
+            <a:bodyPr wrap="none" rtlCol="0">
+              <a:spAutoFit/>
+            </a:bodyPr>
+            <a:lstStyle/>
+            <a:p>
+              <a:r>
+                <a:rPr lang="en-US" sz="3600" b="1" dirty="0" smtClean="0">
+                  <a:solidFill>
+                    <a:srgbClr val="0070C0"/>
+                  </a:solidFill>
+                  <a:effectLst>
+                    <a:glow rad="228600">
+                      <a:schemeClr val="accent1">
+                        <a:satMod val="175000"/>
+                        <a:alpha val="40000"/>
+                      </a:schemeClr>
+                    </a:glow>
+                  </a:effectLst>
+                </a:rPr>
+                <a:t>L3</a:t>
+              </a:r>
+              <a:endParaRPr lang="en-US" sz="3600" b="1" dirty="0">
+                <a:solidFill>
+                  <a:srgbClr val="0070C0"/>
+                </a:solidFill>
+                <a:effectLst>
+                  <a:glow rad="228600">
+                    <a:schemeClr val="accent1">
+                      <a:satMod val="175000"/>
+                      <a:alpha val="40000"/>
+                    </a:schemeClr>
+                  </a:glow>
+                </a:effectLst>
+              </a:endParaRPr>
+            </a:p>
+          </p:txBody>
+        </p:sp>
+      </p:grpSp>
+      <p:grpSp>
+        <p:nvGrpSpPr>
+          <p:cNvPr id="53" name="Group 52"/>
+          <p:cNvGrpSpPr/>
           <p:nvPr/>
-        </p:nvPicPr>
-        <p:blipFill>
-          <a:blip r:embed="rId10"/>
-          <a:stretch>
-            <a:fillRect/>
-          </a:stretch>
-        </p:blipFill>
-        <p:spPr>
+        </p:nvGrpSpPr>
+        <p:grpSpPr>
           <a:xfrm>
-            <a:off x="6785054" y="1957154"/>
-            <a:ext cx="1788285" cy="873755"/>
+            <a:off x="4650642" y="527362"/>
+            <a:ext cx="3091260" cy="1748494"/>
+            <a:chOff x="7848047" y="443724"/>
+            <a:chExt cx="3091260" cy="1748494"/>
           </a:xfrm>
-          <a:prstGeom prst="rect">
-            <a:avLst/>
-          </a:prstGeom>
-        </p:spPr>
-      </p:pic>
+        </p:grpSpPr>
+        <p:pic>
+          <p:nvPicPr>
+            <p:cNvPr id="48" name="Picture 47"/>
+            <p:cNvPicPr>
+              <a:picLocks noChangeAspect="1"/>
+            </p:cNvPicPr>
+            <p:nvPr/>
+          </p:nvPicPr>
+          <p:blipFill>
+            <a:blip r:embed="rId5"/>
+            <a:stretch>
+              <a:fillRect/>
+            </a:stretch>
+          </p:blipFill>
+          <p:spPr>
+            <a:xfrm>
+              <a:off x="7848047" y="443724"/>
+              <a:ext cx="3091260" cy="1748494"/>
+            </a:xfrm>
+            <a:prstGeom prst="rect">
+              <a:avLst/>
+            </a:prstGeom>
+          </p:spPr>
+        </p:pic>
+        <p:sp>
+          <p:nvSpPr>
+            <p:cNvPr id="58" name="TextBox 57"/>
+            <p:cNvSpPr txBox="1"/>
+            <p:nvPr/>
+          </p:nvSpPr>
+          <p:spPr>
+            <a:xfrm>
+              <a:off x="10140235" y="482535"/>
+              <a:ext cx="614271" cy="646331"/>
+            </a:xfrm>
+            <a:prstGeom prst="rect">
+              <a:avLst/>
+            </a:prstGeom>
+            <a:noFill/>
+            <a:effectLst>
+              <a:glow rad="139700">
+                <a:schemeClr val="accent1">
+                  <a:satMod val="175000"/>
+                  <a:alpha val="40000"/>
+                </a:schemeClr>
+              </a:glow>
+            </a:effectLst>
+          </p:spPr>
+          <p:txBody>
+            <a:bodyPr wrap="none" rtlCol="0">
+              <a:spAutoFit/>
+            </a:bodyPr>
+            <a:lstStyle/>
+            <a:p>
+              <a:r>
+                <a:rPr lang="en-US" sz="3600" b="1" dirty="0" smtClean="0">
+                  <a:solidFill>
+                    <a:srgbClr val="0070C0"/>
+                  </a:solidFill>
+                  <a:effectLst>
+                    <a:glow rad="228600">
+                      <a:schemeClr val="accent1">
+                        <a:satMod val="175000"/>
+                        <a:alpha val="40000"/>
+                      </a:schemeClr>
+                    </a:glow>
+                  </a:effectLst>
+                </a:rPr>
+                <a:t>L2</a:t>
+              </a:r>
+              <a:endParaRPr lang="en-US" sz="3600" b="1" dirty="0">
+                <a:solidFill>
+                  <a:srgbClr val="0070C0"/>
+                </a:solidFill>
+                <a:effectLst>
+                  <a:glow rad="228600">
+                    <a:schemeClr val="accent1">
+                      <a:satMod val="175000"/>
+                      <a:alpha val="40000"/>
+                    </a:schemeClr>
+                  </a:glow>
+                </a:effectLst>
+              </a:endParaRPr>
+            </a:p>
+          </p:txBody>
+        </p:sp>
+      </p:grpSp>
     </p:spTree>
     <p:extLst>
       <p:ext uri="{BB962C8B-B14F-4D97-AF65-F5344CB8AC3E}">
         <p14:creationId xmlns:p14="http://schemas.microsoft.com/office/powerpoint/2010/main" val="2876243529"/>
+      </p:ext>
+    </p:extLst>
+  </p:cSld>
+  <p:clrMapOvr>
+    <a:masterClrMapping/>
+  </p:clrMapOvr>
+  <p:timing>
+    <p:tnLst>
+      <p:par>
+        <p:cTn id="1" dur="indefinite" restart="never" nodeType="tmRoot"/>
+      </p:par>
+    </p:tnLst>
+  </p:timing>
+</p:sld>
+</file>
+
+<file path=ppt/slides/slide3.xml><?xml version="1.0" encoding="utf-8"?>
+<p:sld xmlns:a="http://schemas.openxmlformats.org/drawingml/2006/main" xmlns:r="http://schemas.openxmlformats.org/officeDocument/2006/relationships" xmlns:p="http://schemas.openxmlformats.org/presentationml/2006/main">
+  <p:cSld>
+    <p:spTree>
+      <p:nvGrpSpPr>
+        <p:cNvPr id="1" name=""/>
+        <p:cNvGrpSpPr/>
+        <p:nvPr/>
+      </p:nvGrpSpPr>
+      <p:grpSpPr>
+        <a:xfrm>
+          <a:off x="0" y="0"/>
+          <a:ext cx="0" cy="0"/>
+          <a:chOff x="0" y="0"/>
+          <a:chExt cx="0" cy="0"/>
+        </a:xfrm>
+      </p:grpSpPr>
+      <p:grpSp>
+        <p:nvGrpSpPr>
+          <p:cNvPr id="4" name="Group 3"/>
+          <p:cNvGrpSpPr/>
+          <p:nvPr/>
+        </p:nvGrpSpPr>
+        <p:grpSpPr>
+          <a:xfrm>
+            <a:off x="1395833" y="313952"/>
+            <a:ext cx="3470964" cy="2345007"/>
+            <a:chOff x="998427" y="3849286"/>
+            <a:chExt cx="3470964" cy="2345007"/>
+          </a:xfrm>
+        </p:grpSpPr>
+        <p:pic>
+          <p:nvPicPr>
+            <p:cNvPr id="5" name="Picture 2" descr="http://i.ebayimg.com/images/g/rTMAAOxyNo9SuS7t/s-l300.jpg"/>
+            <p:cNvPicPr>
+              <a:picLocks noChangeAspect="1" noChangeArrowheads="1"/>
+            </p:cNvPicPr>
+            <p:nvPr/>
+          </p:nvPicPr>
+          <p:blipFill>
+            <a:blip r:embed="rId2" cstate="print">
+              <a:extLst>
+                <a:ext uri="{28A0092B-C50C-407E-A947-70E740481C1C}">
+                  <a14:useLocalDpi xmlns:a14="http://schemas.microsoft.com/office/drawing/2010/main" val="0"/>
+                </a:ext>
+              </a:extLst>
+            </a:blip>
+            <a:srcRect/>
+            <a:stretch>
+              <a:fillRect/>
+            </a:stretch>
+          </p:blipFill>
+          <p:spPr bwMode="auto">
+            <a:xfrm>
+              <a:off x="1264643" y="4492874"/>
+              <a:ext cx="988788" cy="1015880"/>
+            </a:xfrm>
+            <a:prstGeom prst="rect">
+              <a:avLst/>
+            </a:prstGeom>
+            <a:noFill/>
+            <a:extLst>
+              <a:ext uri="{909E8E84-426E-40DD-AFC4-6F175D3DCCD1}">
+                <a14:hiddenFill xmlns:a14="http://schemas.microsoft.com/office/drawing/2010/main">
+                  <a:solidFill>
+                    <a:srgbClr val="FFFFFF"/>
+                  </a:solidFill>
+                </a14:hiddenFill>
+              </a:ext>
+            </a:extLst>
+          </p:spPr>
+        </p:pic>
+        <p:pic>
+          <p:nvPicPr>
+            <p:cNvPr id="6" name="Picture 4" descr="http://yourduino.com/sunshop2/images/products/large_62_LCD-1602-2.jpg"/>
+            <p:cNvPicPr>
+              <a:picLocks noChangeAspect="1" noChangeArrowheads="1"/>
+            </p:cNvPicPr>
+            <p:nvPr/>
+          </p:nvPicPr>
+          <p:blipFill>
+            <a:blip r:embed="rId3">
+              <a:extLst>
+                <a:ext uri="{28A0092B-C50C-407E-A947-70E740481C1C}">
+                  <a14:useLocalDpi xmlns:a14="http://schemas.microsoft.com/office/drawing/2010/main" val="0"/>
+                </a:ext>
+              </a:extLst>
+            </a:blip>
+            <a:srcRect/>
+            <a:stretch>
+              <a:fillRect/>
+            </a:stretch>
+          </p:blipFill>
+          <p:spPr bwMode="auto">
+            <a:xfrm>
+              <a:off x="2764181" y="4640835"/>
+              <a:ext cx="1520825" cy="704275"/>
+            </a:xfrm>
+            <a:prstGeom prst="rect">
+              <a:avLst/>
+            </a:prstGeom>
+            <a:noFill/>
+            <a:extLst>
+              <a:ext uri="{909E8E84-426E-40DD-AFC4-6F175D3DCCD1}">
+                <a14:hiddenFill xmlns:a14="http://schemas.microsoft.com/office/drawing/2010/main">
+                  <a:solidFill>
+                    <a:srgbClr val="FFFFFF"/>
+                  </a:solidFill>
+                </a14:hiddenFill>
+              </a:ext>
+            </a:extLst>
+          </p:spPr>
+        </p:pic>
+        <p:sp>
+          <p:nvSpPr>
+            <p:cNvPr id="7" name="Rounded Rectangle 6"/>
+            <p:cNvSpPr/>
+            <p:nvPr/>
+          </p:nvSpPr>
+          <p:spPr>
+            <a:xfrm>
+              <a:off x="998427" y="3849286"/>
+              <a:ext cx="3470964" cy="2345007"/>
+            </a:xfrm>
+            <a:prstGeom prst="roundRect">
+              <a:avLst/>
+            </a:prstGeom>
+            <a:noFill/>
+            <a:ln w="57150">
+              <a:solidFill>
+                <a:srgbClr val="00B0F0"/>
+              </a:solidFill>
+            </a:ln>
+            <a:effectLst>
+              <a:outerShdw blurRad="50800" dist="38100" dir="2700000" algn="tl" rotWithShape="0">
+                <a:prstClr val="black">
+                  <a:alpha val="40000"/>
+                </a:prstClr>
+              </a:outerShdw>
+            </a:effectLst>
+          </p:spPr>
+          <p:style>
+            <a:lnRef idx="2">
+              <a:schemeClr val="accent1">
+                <a:shade val="50000"/>
+              </a:schemeClr>
+            </a:lnRef>
+            <a:fillRef idx="1">
+              <a:schemeClr val="accent1"/>
+            </a:fillRef>
+            <a:effectRef idx="0">
+              <a:schemeClr val="accent1"/>
+            </a:effectRef>
+            <a:fontRef idx="minor">
+              <a:schemeClr val="lt1"/>
+            </a:fontRef>
+          </p:style>
+          <p:txBody>
+            <a:bodyPr rtlCol="0" anchor="t"/>
+            <a:lstStyle/>
+            <a:p>
+              <a:pPr algn="ctr"/>
+              <a:r>
+                <a:rPr lang="en-US" sz="2000" b="1" dirty="0" smtClean="0">
+                  <a:solidFill>
+                    <a:srgbClr val="0070C0"/>
+                  </a:solidFill>
+                  <a:effectLst>
+                    <a:glow rad="228600">
+                      <a:schemeClr val="accent1">
+                        <a:lumMod val="40000"/>
+                        <a:lumOff val="60000"/>
+                        <a:alpha val="40000"/>
+                      </a:schemeClr>
+                    </a:glow>
+                  </a:effectLst>
+                </a:rPr>
+                <a:t>Displays  L2</a:t>
+              </a:r>
+              <a:endParaRPr lang="en-US" sz="2000" b="1" dirty="0">
+                <a:solidFill>
+                  <a:srgbClr val="0070C0"/>
+                </a:solidFill>
+                <a:effectLst>
+                  <a:glow rad="228600">
+                    <a:schemeClr val="accent1">
+                      <a:lumMod val="40000"/>
+                      <a:lumOff val="60000"/>
+                      <a:alpha val="40000"/>
+                    </a:schemeClr>
+                  </a:glow>
+                </a:effectLst>
+              </a:endParaRPr>
+            </a:p>
+          </p:txBody>
+        </p:sp>
+        <p:sp>
+          <p:nvSpPr>
+            <p:cNvPr id="8" name="TextBox 7"/>
+            <p:cNvSpPr txBox="1"/>
+            <p:nvPr/>
+          </p:nvSpPr>
+          <p:spPr>
+            <a:xfrm>
+              <a:off x="1047531" y="5508754"/>
+              <a:ext cx="1423011" cy="523220"/>
+            </a:xfrm>
+            <a:prstGeom prst="rect">
+              <a:avLst/>
+            </a:prstGeom>
+            <a:noFill/>
+            <a:effectLst>
+              <a:outerShdw blurRad="50800" dist="38100" dir="2700000" algn="tl" rotWithShape="0">
+                <a:prstClr val="black">
+                  <a:alpha val="40000"/>
+                </a:prstClr>
+              </a:outerShdw>
+            </a:effectLst>
+          </p:spPr>
+          <p:txBody>
+            <a:bodyPr wrap="square" rtlCol="0">
+              <a:spAutoFit/>
+            </a:bodyPr>
+            <a:lstStyle/>
+            <a:p>
+              <a:pPr algn="ctr"/>
+              <a:r>
+                <a:rPr lang="en-US" sz="1400" b="1" dirty="0" smtClean="0">
+                  <a:solidFill>
+                    <a:srgbClr val="0070C0"/>
+                  </a:solidFill>
+                </a:rPr>
+                <a:t>OLED 128x64</a:t>
+              </a:r>
+            </a:p>
+            <a:p>
+              <a:pPr algn="ctr"/>
+              <a:r>
+                <a:rPr lang="en-US" sz="1400" dirty="0" smtClean="0">
+                  <a:solidFill>
+                    <a:srgbClr val="0070C0"/>
+                  </a:solidFill>
+                </a:rPr>
+                <a:t>White</a:t>
+              </a:r>
+              <a:endParaRPr lang="en-US" sz="1400" dirty="0">
+                <a:solidFill>
+                  <a:srgbClr val="0070C0"/>
+                </a:solidFill>
+              </a:endParaRPr>
+            </a:p>
+          </p:txBody>
+        </p:sp>
+        <p:sp>
+          <p:nvSpPr>
+            <p:cNvPr id="9" name="TextBox 8"/>
+            <p:cNvSpPr txBox="1"/>
+            <p:nvPr/>
+          </p:nvSpPr>
+          <p:spPr>
+            <a:xfrm>
+              <a:off x="2764181" y="5507458"/>
+              <a:ext cx="1423011" cy="523220"/>
+            </a:xfrm>
+            <a:prstGeom prst="rect">
+              <a:avLst/>
+            </a:prstGeom>
+            <a:noFill/>
+            <a:effectLst>
+              <a:outerShdw blurRad="50800" dist="38100" dir="2700000" algn="tl" rotWithShape="0">
+                <a:prstClr val="black">
+                  <a:alpha val="40000"/>
+                </a:prstClr>
+              </a:outerShdw>
+            </a:effectLst>
+          </p:spPr>
+          <p:txBody>
+            <a:bodyPr wrap="square" rtlCol="0">
+              <a:spAutoFit/>
+            </a:bodyPr>
+            <a:lstStyle/>
+            <a:p>
+              <a:pPr algn="ctr"/>
+              <a:r>
+                <a:rPr lang="en-US" sz="1400" b="1" dirty="0" smtClean="0">
+                  <a:solidFill>
+                    <a:srgbClr val="0070C0"/>
+                  </a:solidFill>
+                </a:rPr>
+                <a:t>LCD Character</a:t>
+              </a:r>
+            </a:p>
+            <a:p>
+              <a:pPr algn="ctr"/>
+              <a:r>
+                <a:rPr lang="en-US" sz="1400" dirty="0" smtClean="0">
+                  <a:solidFill>
+                    <a:srgbClr val="0070C0"/>
+                  </a:solidFill>
+                </a:rPr>
+                <a:t>16x2 Blue/White</a:t>
+              </a:r>
+              <a:endParaRPr lang="en-US" sz="1400" dirty="0">
+                <a:solidFill>
+                  <a:srgbClr val="0070C0"/>
+                </a:solidFill>
+              </a:endParaRPr>
+            </a:p>
+          </p:txBody>
+        </p:sp>
+        <p:cxnSp>
+          <p:nvCxnSpPr>
+            <p:cNvPr id="10" name="Straight Connector 9"/>
+            <p:cNvCxnSpPr/>
+            <p:nvPr/>
+          </p:nvCxnSpPr>
+          <p:spPr>
+            <a:xfrm>
+              <a:off x="2507683" y="4492874"/>
+              <a:ext cx="17666" cy="1470594"/>
+            </a:xfrm>
+            <a:prstGeom prst="line">
+              <a:avLst/>
+            </a:prstGeom>
+            <a:ln w="28575">
+              <a:solidFill>
+                <a:srgbClr val="00B0F0"/>
+              </a:solidFill>
+            </a:ln>
+            <a:effectLst>
+              <a:outerShdw blurRad="50800" dist="38100" dir="2700000" algn="tl" rotWithShape="0">
+                <a:prstClr val="black">
+                  <a:alpha val="40000"/>
+                </a:prstClr>
+              </a:outerShdw>
+            </a:effectLst>
+          </p:spPr>
+          <p:style>
+            <a:lnRef idx="1">
+              <a:schemeClr val="accent1"/>
+            </a:lnRef>
+            <a:fillRef idx="0">
+              <a:schemeClr val="accent1"/>
+            </a:fillRef>
+            <a:effectRef idx="0">
+              <a:schemeClr val="accent1"/>
+            </a:effectRef>
+            <a:fontRef idx="minor">
+              <a:schemeClr val="tx1"/>
+            </a:fontRef>
+          </p:style>
+        </p:cxnSp>
+      </p:grpSp>
+      <p:grpSp>
+        <p:nvGrpSpPr>
+          <p:cNvPr id="11" name="Group 10"/>
+          <p:cNvGrpSpPr/>
+          <p:nvPr/>
+        </p:nvGrpSpPr>
+        <p:grpSpPr>
+          <a:xfrm>
+            <a:off x="699642" y="2966145"/>
+            <a:ext cx="4863346" cy="2242914"/>
+            <a:chOff x="4939022" y="4050792"/>
+            <a:chExt cx="4863346" cy="2242914"/>
+          </a:xfrm>
+        </p:grpSpPr>
+        <p:pic>
+          <p:nvPicPr>
+            <p:cNvPr id="12" name="Picture 6" descr="towerpro-mg90.jpg (250×265)"/>
+            <p:cNvPicPr>
+              <a:picLocks noChangeAspect="1" noChangeArrowheads="1"/>
+            </p:cNvPicPr>
+            <p:nvPr/>
+          </p:nvPicPr>
+          <p:blipFill>
+            <a:blip r:embed="rId4" cstate="print">
+              <a:extLst>
+                <a:ext uri="{28A0092B-C50C-407E-A947-70E740481C1C}">
+                  <a14:useLocalDpi xmlns:a14="http://schemas.microsoft.com/office/drawing/2010/main" val="0"/>
+                </a:ext>
+              </a:extLst>
+            </a:blip>
+            <a:srcRect/>
+            <a:stretch>
+              <a:fillRect/>
+            </a:stretch>
+          </p:blipFill>
+          <p:spPr bwMode="auto">
+            <a:xfrm>
+              <a:off x="8525991" y="4688404"/>
+              <a:ext cx="958170" cy="1015662"/>
+            </a:xfrm>
+            <a:prstGeom prst="rect">
+              <a:avLst/>
+            </a:prstGeom>
+            <a:noFill/>
+            <a:extLst>
+              <a:ext uri="{909E8E84-426E-40DD-AFC4-6F175D3DCCD1}">
+                <a14:hiddenFill xmlns:a14="http://schemas.microsoft.com/office/drawing/2010/main">
+                  <a:solidFill>
+                    <a:srgbClr val="FFFFFF"/>
+                  </a:solidFill>
+                </a14:hiddenFill>
+              </a:ext>
+            </a:extLst>
+          </p:spPr>
+        </p:pic>
+        <p:pic>
+          <p:nvPicPr>
+            <p:cNvPr id="13" name="Picture 12"/>
+            <p:cNvPicPr>
+              <a:picLocks noChangeAspect="1"/>
+            </p:cNvPicPr>
+            <p:nvPr/>
+          </p:nvPicPr>
+          <p:blipFill>
+            <a:blip r:embed="rId5"/>
+            <a:stretch>
+              <a:fillRect/>
+            </a:stretch>
+          </p:blipFill>
+          <p:spPr>
+            <a:xfrm>
+              <a:off x="6808560" y="4745085"/>
+              <a:ext cx="1163952" cy="1027412"/>
+            </a:xfrm>
+            <a:prstGeom prst="rect">
+              <a:avLst/>
+            </a:prstGeom>
+          </p:spPr>
+        </p:pic>
+        <p:pic>
+          <p:nvPicPr>
+            <p:cNvPr id="14" name="Picture 8" descr="hc-sr5011.jpg (469×368)"/>
+            <p:cNvPicPr>
+              <a:picLocks noChangeAspect="1" noChangeArrowheads="1"/>
+            </p:cNvPicPr>
+            <p:nvPr/>
+          </p:nvPicPr>
+          <p:blipFill>
+            <a:blip r:embed="rId6" cstate="print">
+              <a:extLst>
+                <a:ext uri="{28A0092B-C50C-407E-A947-70E740481C1C}">
+                  <a14:useLocalDpi xmlns:a14="http://schemas.microsoft.com/office/drawing/2010/main" val="0"/>
+                </a:ext>
+              </a:extLst>
+            </a:blip>
+            <a:srcRect/>
+            <a:stretch>
+              <a:fillRect/>
+            </a:stretch>
+          </p:blipFill>
+          <p:spPr bwMode="auto">
+            <a:xfrm>
+              <a:off x="5154221" y="4734241"/>
+              <a:ext cx="1177584" cy="923989"/>
+            </a:xfrm>
+            <a:prstGeom prst="rect">
+              <a:avLst/>
+            </a:prstGeom>
+            <a:noFill/>
+            <a:extLst>
+              <a:ext uri="{909E8E84-426E-40DD-AFC4-6F175D3DCCD1}">
+                <a14:hiddenFill xmlns:a14="http://schemas.microsoft.com/office/drawing/2010/main">
+                  <a:solidFill>
+                    <a:srgbClr val="FFFFFF"/>
+                  </a:solidFill>
+                </a14:hiddenFill>
+              </a:ext>
+            </a:extLst>
+          </p:spPr>
+        </p:pic>
+        <p:sp>
+          <p:nvSpPr>
+            <p:cNvPr id="15" name="Rounded Rectangle 14"/>
+            <p:cNvSpPr/>
+            <p:nvPr/>
+          </p:nvSpPr>
+          <p:spPr>
+            <a:xfrm>
+              <a:off x="4939022" y="4050792"/>
+              <a:ext cx="4863346" cy="2242914"/>
+            </a:xfrm>
+            <a:prstGeom prst="roundRect">
+              <a:avLst/>
+            </a:prstGeom>
+            <a:noFill/>
+            <a:ln w="57150">
+              <a:solidFill>
+                <a:srgbClr val="FFC000"/>
+              </a:solidFill>
+            </a:ln>
+            <a:effectLst>
+              <a:outerShdw blurRad="50800" dist="38100" dir="2700000" algn="tl" rotWithShape="0">
+                <a:prstClr val="black">
+                  <a:alpha val="40000"/>
+                </a:prstClr>
+              </a:outerShdw>
+            </a:effectLst>
+          </p:spPr>
+          <p:style>
+            <a:lnRef idx="2">
+              <a:schemeClr val="accent1">
+                <a:shade val="50000"/>
+              </a:schemeClr>
+            </a:lnRef>
+            <a:fillRef idx="1">
+              <a:schemeClr val="accent1"/>
+            </a:fillRef>
+            <a:effectRef idx="0">
+              <a:schemeClr val="accent1"/>
+            </a:effectRef>
+            <a:fontRef idx="minor">
+              <a:schemeClr val="lt1"/>
+            </a:fontRef>
+          </p:style>
+          <p:txBody>
+            <a:bodyPr rtlCol="0" anchor="t"/>
+            <a:lstStyle/>
+            <a:p>
+              <a:pPr algn="ctr"/>
+              <a:r>
+                <a:rPr lang="en-US" sz="2000" b="1" dirty="0" smtClean="0">
+                  <a:solidFill>
+                    <a:schemeClr val="accent4">
+                      <a:lumMod val="50000"/>
+                    </a:schemeClr>
+                  </a:solidFill>
+                  <a:effectLst>
+                    <a:glow rad="228600">
+                      <a:srgbClr val="FFC000">
+                        <a:alpha val="40000"/>
+                      </a:srgbClr>
+                    </a:glow>
+                  </a:effectLst>
+                </a:rPr>
+                <a:t>Other Gadgets – L1</a:t>
+              </a:r>
+              <a:endParaRPr lang="en-US" sz="2000" b="1" dirty="0">
+                <a:solidFill>
+                  <a:schemeClr val="accent4">
+                    <a:lumMod val="50000"/>
+                  </a:schemeClr>
+                </a:solidFill>
+                <a:effectLst>
+                  <a:glow rad="228600">
+                    <a:srgbClr val="FFC000">
+                      <a:alpha val="40000"/>
+                    </a:srgbClr>
+                  </a:glow>
+                </a:effectLst>
+              </a:endParaRPr>
+            </a:p>
+          </p:txBody>
+        </p:sp>
+        <p:cxnSp>
+          <p:nvCxnSpPr>
+            <p:cNvPr id="16" name="Straight Connector 15"/>
+            <p:cNvCxnSpPr/>
+            <p:nvPr/>
+          </p:nvCxnSpPr>
+          <p:spPr>
+            <a:xfrm>
+              <a:off x="6486894" y="4605312"/>
+              <a:ext cx="0" cy="1466304"/>
+            </a:xfrm>
+            <a:prstGeom prst="line">
+              <a:avLst/>
+            </a:prstGeom>
+            <a:ln w="38100">
+              <a:solidFill>
+                <a:srgbClr val="FFC000"/>
+              </a:solidFill>
+            </a:ln>
+            <a:effectLst>
+              <a:outerShdw blurRad="50800" dist="38100" dir="2700000" algn="tl" rotWithShape="0">
+                <a:prstClr val="black">
+                  <a:alpha val="40000"/>
+                </a:prstClr>
+              </a:outerShdw>
+            </a:effectLst>
+          </p:spPr>
+          <p:style>
+            <a:lnRef idx="1">
+              <a:schemeClr val="accent1"/>
+            </a:lnRef>
+            <a:fillRef idx="0">
+              <a:schemeClr val="accent1"/>
+            </a:fillRef>
+            <a:effectRef idx="0">
+              <a:schemeClr val="accent1"/>
+            </a:effectRef>
+            <a:fontRef idx="minor">
+              <a:schemeClr val="tx1"/>
+            </a:fontRef>
+          </p:style>
+        </p:cxnSp>
+        <p:cxnSp>
+          <p:nvCxnSpPr>
+            <p:cNvPr id="17" name="Straight Connector 16"/>
+            <p:cNvCxnSpPr/>
+            <p:nvPr/>
+          </p:nvCxnSpPr>
+          <p:spPr>
+            <a:xfrm>
+              <a:off x="8268311" y="4605312"/>
+              <a:ext cx="0" cy="1466304"/>
+            </a:xfrm>
+            <a:prstGeom prst="line">
+              <a:avLst/>
+            </a:prstGeom>
+            <a:ln w="38100">
+              <a:solidFill>
+                <a:srgbClr val="FFC000"/>
+              </a:solidFill>
+            </a:ln>
+            <a:effectLst>
+              <a:outerShdw blurRad="50800" dist="38100" dir="2700000" algn="tl" rotWithShape="0">
+                <a:prstClr val="black">
+                  <a:alpha val="40000"/>
+                </a:prstClr>
+              </a:outerShdw>
+            </a:effectLst>
+          </p:spPr>
+          <p:style>
+            <a:lnRef idx="1">
+              <a:schemeClr val="accent1"/>
+            </a:lnRef>
+            <a:fillRef idx="0">
+              <a:schemeClr val="accent1"/>
+            </a:fillRef>
+            <a:effectRef idx="0">
+              <a:schemeClr val="accent1"/>
+            </a:effectRef>
+            <a:fontRef idx="minor">
+              <a:schemeClr val="tx1"/>
+            </a:fontRef>
+          </p:style>
+        </p:cxnSp>
+        <p:sp>
+          <p:nvSpPr>
+            <p:cNvPr id="18" name="TextBox 17"/>
+            <p:cNvSpPr txBox="1"/>
+            <p:nvPr/>
+          </p:nvSpPr>
+          <p:spPr>
+            <a:xfrm>
+              <a:off x="5170279" y="5742218"/>
+              <a:ext cx="1281121" cy="523220"/>
+            </a:xfrm>
+            <a:prstGeom prst="rect">
+              <a:avLst/>
+            </a:prstGeom>
+            <a:noFill/>
+            <a:effectLst>
+              <a:outerShdw blurRad="50800" dist="38100" dir="2700000" algn="tl" rotWithShape="0">
+                <a:prstClr val="black">
+                  <a:alpha val="40000"/>
+                </a:prstClr>
+              </a:outerShdw>
+            </a:effectLst>
+          </p:spPr>
+          <p:txBody>
+            <a:bodyPr wrap="none" rtlCol="0">
+              <a:spAutoFit/>
+            </a:bodyPr>
+            <a:lstStyle/>
+            <a:p>
+              <a:pPr algn="ctr"/>
+              <a:r>
+                <a:rPr lang="en-US" sz="1400" b="1" dirty="0" smtClean="0">
+                  <a:solidFill>
+                    <a:schemeClr val="accent4">
+                      <a:lumMod val="75000"/>
+                    </a:schemeClr>
+                  </a:solidFill>
+                </a:rPr>
+                <a:t>Motion Sensor</a:t>
+              </a:r>
+            </a:p>
+            <a:p>
+              <a:pPr algn="ctr"/>
+              <a:r>
+                <a:rPr lang="en-US" sz="1400" b="1" dirty="0" smtClean="0">
+                  <a:solidFill>
+                    <a:schemeClr val="accent4">
+                      <a:lumMod val="75000"/>
+                    </a:schemeClr>
+                  </a:solidFill>
+                </a:rPr>
+                <a:t>PIR</a:t>
+              </a:r>
+              <a:endParaRPr lang="en-US" sz="1400" b="1" dirty="0">
+                <a:solidFill>
+                  <a:schemeClr val="accent4">
+                    <a:lumMod val="75000"/>
+                  </a:schemeClr>
+                </a:solidFill>
+              </a:endParaRPr>
+            </a:p>
+          </p:txBody>
+        </p:sp>
+        <p:sp>
+          <p:nvSpPr>
+            <p:cNvPr id="19" name="TextBox 18"/>
+            <p:cNvSpPr txBox="1"/>
+            <p:nvPr/>
+          </p:nvSpPr>
+          <p:spPr>
+            <a:xfrm>
+              <a:off x="6731317" y="5772497"/>
+              <a:ext cx="1207896" cy="307777"/>
+            </a:xfrm>
+            <a:prstGeom prst="rect">
+              <a:avLst/>
+            </a:prstGeom>
+            <a:noFill/>
+            <a:effectLst>
+              <a:outerShdw blurRad="50800" dist="38100" dir="2700000" algn="tl" rotWithShape="0">
+                <a:prstClr val="black">
+                  <a:alpha val="40000"/>
+                </a:prstClr>
+              </a:outerShdw>
+            </a:effectLst>
+          </p:spPr>
+          <p:txBody>
+            <a:bodyPr wrap="none" rtlCol="0">
+              <a:spAutoFit/>
+            </a:bodyPr>
+            <a:lstStyle/>
+            <a:p>
+              <a:pPr algn="ctr"/>
+              <a:r>
+                <a:rPr lang="en-US" sz="1400" b="1" dirty="0" smtClean="0">
+                  <a:solidFill>
+                    <a:schemeClr val="accent4">
+                      <a:lumMod val="75000"/>
+                    </a:schemeClr>
+                  </a:solidFill>
+                </a:rPr>
+                <a:t>Relay Module</a:t>
+              </a:r>
+            </a:p>
+          </p:txBody>
+        </p:sp>
+        <p:sp>
+          <p:nvSpPr>
+            <p:cNvPr id="20" name="TextBox 19"/>
+            <p:cNvSpPr txBox="1"/>
+            <p:nvPr/>
+          </p:nvSpPr>
+          <p:spPr>
+            <a:xfrm>
+              <a:off x="8465024" y="5697180"/>
+              <a:ext cx="1080104" cy="477054"/>
+            </a:xfrm>
+            <a:prstGeom prst="rect">
+              <a:avLst/>
+            </a:prstGeom>
+            <a:noFill/>
+            <a:effectLst>
+              <a:outerShdw blurRad="50800" dist="38100" dir="2700000" algn="tl" rotWithShape="0">
+                <a:prstClr val="black">
+                  <a:alpha val="40000"/>
+                </a:prstClr>
+              </a:outerShdw>
+            </a:effectLst>
+          </p:spPr>
+          <p:txBody>
+            <a:bodyPr wrap="none" rtlCol="0">
+              <a:spAutoFit/>
+            </a:bodyPr>
+            <a:lstStyle/>
+            <a:p>
+              <a:pPr algn="ctr"/>
+              <a:r>
+                <a:rPr lang="en-US" sz="1400" b="1" dirty="0" smtClean="0">
+                  <a:solidFill>
+                    <a:schemeClr val="accent4">
+                      <a:lumMod val="75000"/>
+                    </a:schemeClr>
+                  </a:solidFill>
+                </a:rPr>
+                <a:t>Micro Servo</a:t>
+              </a:r>
+            </a:p>
+            <a:p>
+              <a:pPr algn="ctr"/>
+              <a:r>
+                <a:rPr lang="en-US" sz="1100" dirty="0" smtClean="0">
+                  <a:solidFill>
+                    <a:schemeClr val="accent4">
+                      <a:lumMod val="75000"/>
+                    </a:schemeClr>
+                  </a:solidFill>
+                </a:rPr>
+                <a:t>(SG90)</a:t>
+              </a:r>
+            </a:p>
+          </p:txBody>
+        </p:sp>
+      </p:grpSp>
+    </p:spTree>
+    <p:extLst>
+      <p:ext uri="{BB962C8B-B14F-4D97-AF65-F5344CB8AC3E}">
+        <p14:creationId xmlns:p14="http://schemas.microsoft.com/office/powerpoint/2010/main" val="1254781725"/>
       </p:ext>
     </p:extLst>
   </p:cSld>
